--- a/01 - Intro and Scoping/ClassOverview.pptx
+++ b/01 - Intro and Scoping/ClassOverview.pptx
@@ -5,7 +5,7 @@
     <p:sldMasterId id="2147483659" r:id="rId1"/>
   </p:sldMasterIdLst>
   <p:notesMasterIdLst>
-    <p:notesMasterId r:id="rId20"/>
+    <p:notesMasterId r:id="rId19"/>
   </p:notesMasterIdLst>
   <p:sldIdLst>
     <p:sldId id="256" r:id="rId2"/>
@@ -20,22 +20,21 @@
     <p:sldId id="265" r:id="rId11"/>
     <p:sldId id="266" r:id="rId12"/>
     <p:sldId id="267" r:id="rId13"/>
-    <p:sldId id="268" r:id="rId14"/>
-    <p:sldId id="269" r:id="rId15"/>
-    <p:sldId id="270" r:id="rId16"/>
-    <p:sldId id="271" r:id="rId17"/>
-    <p:sldId id="272" r:id="rId18"/>
-    <p:sldId id="273" r:id="rId19"/>
+    <p:sldId id="269" r:id="rId14"/>
+    <p:sldId id="270" r:id="rId15"/>
+    <p:sldId id="271" r:id="rId16"/>
+    <p:sldId id="272" r:id="rId17"/>
+    <p:sldId id="273" r:id="rId18"/>
   </p:sldIdLst>
   <p:sldSz cx="9144000" cy="5143500" type="screen16x9"/>
   <p:notesSz cx="6858000" cy="9144000"/>
   <p:embeddedFontLst>
     <p:embeddedFont>
       <p:font typeface="Lato" panose="020F0502020204030203" pitchFamily="34" charset="77"/>
-      <p:regular r:id="rId21"/>
-      <p:bold r:id="rId22"/>
-      <p:italic r:id="rId23"/>
-      <p:boldItalic r:id="rId24"/>
+      <p:regular r:id="rId20"/>
+      <p:bold r:id="rId21"/>
+      <p:italic r:id="rId22"/>
+      <p:boldItalic r:id="rId23"/>
     </p:embeddedFont>
   </p:embeddedFontLst>
   <p:defaultTextStyle>
@@ -6049,110 +6048,6 @@
   <p:cSld>
     <p:spTree>
       <p:nvGrpSpPr>
-        <p:cNvPr id="1" name="Shape 148"/>
-        <p:cNvGrpSpPr/>
-        <p:nvPr/>
-      </p:nvGrpSpPr>
-      <p:grpSpPr>
-        <a:xfrm>
-          <a:off x="0" y="0"/>
-          <a:ext cx="0" cy="0"/>
-          <a:chOff x="0" y="0"/>
-          <a:chExt cx="0" cy="0"/>
-        </a:xfrm>
-      </p:grpSpPr>
-      <p:sp>
-        <p:nvSpPr>
-          <p:cNvPr id="149" name="Google Shape;149;g6d8ed670a8_0_92:notes"/>
-          <p:cNvSpPr>
-            <a:spLocks noGrp="1" noRot="1" noChangeAspect="1"/>
-          </p:cNvSpPr>
-          <p:nvPr>
-            <p:ph type="sldImg" idx="2"/>
-          </p:nvPr>
-        </p:nvSpPr>
-        <p:spPr>
-          <a:xfrm>
-            <a:off x="381000" y="685800"/>
-            <a:ext cx="6096000" cy="3429000"/>
-          </a:xfrm>
-          <a:custGeom>
-            <a:avLst/>
-            <a:gdLst/>
-            <a:ahLst/>
-            <a:cxnLst/>
-            <a:rect l="l" t="t" r="r" b="b"/>
-            <a:pathLst>
-              <a:path w="120000" h="120000" extrusionOk="0">
-                <a:moveTo>
-                  <a:pt x="0" y="0"/>
-                </a:moveTo>
-                <a:lnTo>
-                  <a:pt x="120000" y="0"/>
-                </a:lnTo>
-                <a:lnTo>
-                  <a:pt x="120000" y="120000"/>
-                </a:lnTo>
-                <a:lnTo>
-                  <a:pt x="0" y="120000"/>
-                </a:lnTo>
-                <a:close/>
-              </a:path>
-            </a:pathLst>
-          </a:custGeom>
-        </p:spPr>
-      </p:sp>
-      <p:sp>
-        <p:nvSpPr>
-          <p:cNvPr id="150" name="Google Shape;150;g6d8ed670a8_0_92:notes"/>
-          <p:cNvSpPr txBox="1">
-            <a:spLocks noGrp="1"/>
-          </p:cNvSpPr>
-          <p:nvPr>
-            <p:ph type="body" idx="1"/>
-          </p:nvPr>
-        </p:nvSpPr>
-        <p:spPr>
-          <a:xfrm>
-            <a:off x="685800" y="4343400"/>
-            <a:ext cx="5486400" cy="4114800"/>
-          </a:xfrm>
-          <a:prstGeom prst="rect">
-            <a:avLst/>
-          </a:prstGeom>
-        </p:spPr>
-        <p:txBody>
-          <a:bodyPr spcFirstLastPara="1" wrap="square" lIns="91425" tIns="91425" rIns="91425" bIns="91425" anchor="t" anchorCtr="0">
-            <a:noAutofit/>
-          </a:bodyPr>
-          <a:lstStyle/>
-          <a:p>
-            <a:pPr marL="0" lvl="0" indent="0" algn="l" rtl="0">
-              <a:spcBef>
-                <a:spcPts val="0"/>
-              </a:spcBef>
-              <a:spcAft>
-                <a:spcPts val="0"/>
-              </a:spcAft>
-              <a:buNone/>
-            </a:pPr>
-            <a:endParaRPr/>
-          </a:p>
-        </p:txBody>
-      </p:sp>
-    </p:spTree>
-  </p:cSld>
-  <p:clrMapOvr>
-    <a:masterClrMapping/>
-  </p:clrMapOvr>
-</p:notes>
-</file>
-
-<file path=ppt/notesSlides/notesSlide13.xml><?xml version="1.0" encoding="utf-8"?>
-<p:notes xmlns:a="http://schemas.openxmlformats.org/drawingml/2006/main" xmlns:r="http://schemas.openxmlformats.org/officeDocument/2006/relationships" xmlns:p="http://schemas.openxmlformats.org/presentationml/2006/main" showMasterSp="0" showMasterPhAnim="0">
-  <p:cSld>
-    <p:spTree>
-      <p:nvGrpSpPr>
         <p:cNvPr id="1" name="Shape 154"/>
         <p:cNvGrpSpPr/>
         <p:nvPr/>
@@ -6256,7 +6151,7 @@
 </p:notes>
 </file>
 
-<file path=ppt/notesSlides/notesSlide14.xml><?xml version="1.0" encoding="utf-8"?>
+<file path=ppt/notesSlides/notesSlide13.xml><?xml version="1.0" encoding="utf-8"?>
 <p:notes xmlns:a="http://schemas.openxmlformats.org/drawingml/2006/main" xmlns:r="http://schemas.openxmlformats.org/officeDocument/2006/relationships" xmlns:p="http://schemas.openxmlformats.org/presentationml/2006/main" showMasterSp="0" showMasterPhAnim="0">
   <p:cSld>
     <p:spTree>
@@ -6360,7 +6255,7 @@
 </p:notes>
 </file>
 
-<file path=ppt/notesSlides/notesSlide15.xml><?xml version="1.0" encoding="utf-8"?>
+<file path=ppt/notesSlides/notesSlide14.xml><?xml version="1.0" encoding="utf-8"?>
 <p:notes xmlns:a="http://schemas.openxmlformats.org/drawingml/2006/main" xmlns:r="http://schemas.openxmlformats.org/officeDocument/2006/relationships" xmlns:p="http://schemas.openxmlformats.org/presentationml/2006/main" showMasterSp="0" showMasterPhAnim="0">
   <p:cSld>
     <p:spTree>
@@ -6464,7 +6359,7 @@
 </p:notes>
 </file>
 
-<file path=ppt/notesSlides/notesSlide16.xml><?xml version="1.0" encoding="utf-8"?>
+<file path=ppt/notesSlides/notesSlide15.xml><?xml version="1.0" encoding="utf-8"?>
 <p:notes xmlns:a="http://schemas.openxmlformats.org/drawingml/2006/main" xmlns:r="http://schemas.openxmlformats.org/officeDocument/2006/relationships" xmlns:p="http://schemas.openxmlformats.org/presentationml/2006/main" showMasterSp="0" showMasterPhAnim="0">
   <p:cSld>
     <p:spTree>
@@ -6568,7 +6463,7 @@
 </p:notes>
 </file>
 
-<file path=ppt/notesSlides/notesSlide17.xml><?xml version="1.0" encoding="utf-8"?>
+<file path=ppt/notesSlides/notesSlide16.xml><?xml version="1.0" encoding="utf-8"?>
 <p:notes xmlns:a="http://schemas.openxmlformats.org/drawingml/2006/main" xmlns:r="http://schemas.openxmlformats.org/officeDocument/2006/relationships" xmlns:p="http://schemas.openxmlformats.org/presentationml/2006/main" showMasterSp="0" showMasterPhAnim="0">
   <p:cSld>
     <p:spTree>
@@ -12664,123 +12559,66 @@
           </a:p>
         </p:txBody>
       </p:sp>
-      <p:grpSp>
-        <p:nvGrpSpPr>
-          <p:cNvPr id="132" name="Google Shape;132;p22"/>
-          <p:cNvGrpSpPr/>
-          <p:nvPr/>
-        </p:nvGrpSpPr>
-        <p:grpSpPr>
-          <a:xfrm>
-            <a:off x="105588" y="1478000"/>
-            <a:ext cx="9038423" cy="3035538"/>
-            <a:chOff x="105588" y="1554200"/>
-            <a:chExt cx="9038423" cy="3035538"/>
-          </a:xfrm>
-        </p:grpSpPr>
-        <p:pic>
-          <p:nvPicPr>
-            <p:cNvPr id="133" name="Google Shape;133;p22"/>
-            <p:cNvPicPr preferRelativeResize="0"/>
-            <p:nvPr/>
-          </p:nvPicPr>
-          <p:blipFill>
-            <a:blip r:embed="rId3">
-              <a:alphaModFix/>
-            </a:blip>
-            <a:stretch>
-              <a:fillRect/>
-            </a:stretch>
-          </p:blipFill>
-          <p:spPr>
-            <a:xfrm>
-              <a:off x="105588" y="1927200"/>
-              <a:ext cx="9038423" cy="2662538"/>
-            </a:xfrm>
-            <a:prstGeom prst="rect">
-              <a:avLst/>
-            </a:prstGeom>
-            <a:noFill/>
-            <a:ln>
-              <a:noFill/>
-            </a:ln>
-          </p:spPr>
-        </p:pic>
-        <p:pic>
-          <p:nvPicPr>
-            <p:cNvPr id="134" name="Google Shape;134;p22"/>
-            <p:cNvPicPr preferRelativeResize="0"/>
-            <p:nvPr/>
-          </p:nvPicPr>
-          <p:blipFill>
-            <a:blip r:embed="rId4">
-              <a:alphaModFix/>
-            </a:blip>
-            <a:stretch>
-              <a:fillRect/>
-            </a:stretch>
-          </p:blipFill>
-          <p:spPr>
-            <a:xfrm>
-              <a:off x="119350" y="1554200"/>
-              <a:ext cx="9024651" cy="373000"/>
-            </a:xfrm>
-            <a:prstGeom prst="rect">
-              <a:avLst/>
-            </a:prstGeom>
-            <a:noFill/>
-            <a:ln>
-              <a:noFill/>
-            </a:ln>
-          </p:spPr>
-        </p:pic>
-      </p:grpSp>
-      <p:sp>
-        <p:nvSpPr>
-          <p:cNvPr id="6" name="TextBox 5">
+      <p:pic>
+        <p:nvPicPr>
+          <p:cNvPr id="2" name="Picture 1">
             <a:extLst>
               <a:ext uri="{FF2B5EF4-FFF2-40B4-BE49-F238E27FC236}">
-                <a16:creationId xmlns:a16="http://schemas.microsoft.com/office/drawing/2014/main" id="{B4309D95-1978-3641-9A69-F06ADDA04010}"/>
+                <a16:creationId xmlns:a16="http://schemas.microsoft.com/office/drawing/2014/main" id="{ED646594-2817-9444-B1A8-2B2E5060E6E5}"/>
               </a:ext>
             </a:extLst>
           </p:cNvPr>
-          <p:cNvSpPr txBox="1"/>
+          <p:cNvPicPr>
+            <a:picLocks noChangeAspect="1"/>
+          </p:cNvPicPr>
           <p:nvPr/>
-        </p:nvSpPr>
+        </p:nvPicPr>
+        <p:blipFill>
+          <a:blip r:embed="rId3"/>
+          <a:stretch>
+            <a:fillRect/>
+          </a:stretch>
+        </p:blipFill>
         <p:spPr>
           <a:xfrm>
-            <a:off x="2671638" y="1645920"/>
-            <a:ext cx="3124863" cy="1107996"/>
+            <a:off x="580445" y="1303572"/>
+            <a:ext cx="7402664" cy="3839928"/>
           </a:xfrm>
           <a:prstGeom prst="rect">
             <a:avLst/>
           </a:prstGeom>
-          <a:solidFill>
-            <a:schemeClr val="accent6"/>
-          </a:solidFill>
         </p:spPr>
-        <p:txBody>
-          <a:bodyPr wrap="square" rtlCol="0">
-            <a:spAutoFit/>
-          </a:bodyPr>
-          <a:lstStyle/>
-          <a:p>
-            <a:r>
-              <a:rPr lang="en-US" sz="6600" dirty="0">
-                <a:solidFill>
-                  <a:srgbClr val="FF0000"/>
-                </a:solidFill>
-              </a:rPr>
-              <a:t>Update</a:t>
-            </a:r>
-            <a:endParaRPr lang="en-US" dirty="0">
-              <a:solidFill>
-                <a:srgbClr val="FF0000"/>
-              </a:solidFill>
-            </a:endParaRPr>
-          </a:p>
-        </p:txBody>
-      </p:sp>
+      </p:pic>
+      <p:pic>
+        <p:nvPicPr>
+          <p:cNvPr id="3" name="Picture 2">
+            <a:extLst>
+              <a:ext uri="{FF2B5EF4-FFF2-40B4-BE49-F238E27FC236}">
+                <a16:creationId xmlns:a16="http://schemas.microsoft.com/office/drawing/2014/main" id="{98795124-57DE-974F-AB1F-53FF30A28740}"/>
+              </a:ext>
+            </a:extLst>
+          </p:cNvPr>
+          <p:cNvPicPr>
+            <a:picLocks noChangeAspect="1"/>
+          </p:cNvPicPr>
+          <p:nvPr/>
+        </p:nvPicPr>
+        <p:blipFill>
+          <a:blip r:embed="rId4"/>
+          <a:stretch>
+            <a:fillRect/>
+          </a:stretch>
+        </p:blipFill>
+        <p:spPr>
+          <a:xfrm>
+            <a:off x="557997" y="1209100"/>
+            <a:ext cx="7435745" cy="196324"/>
+          </a:xfrm>
+          <a:prstGeom prst="rect">
+            <a:avLst/>
+          </a:prstGeom>
+        </p:spPr>
+      </p:pic>
     </p:spTree>
   </p:cSld>
   <p:clrMapOvr>
@@ -13169,18 +13007,157 @@
           </a:bodyPr>
           <a:lstStyle/>
           <a:p>
-            <a:pPr marL="457200" lvl="0" indent="-330200" algn="l" rtl="0">
+            <a:pPr indent="-330200">
               <a:spcBef>
                 <a:spcPts val="700"/>
               </a:spcBef>
-              <a:spcAft>
-                <a:spcPts val="0"/>
-              </a:spcAft>
               <a:buClr>
                 <a:schemeClr val="dk1"/>
               </a:buClr>
               <a:buSzPts val="1600"/>
-              <a:buChar char="●"/>
+            </a:pPr>
+            <a:r>
+              <a:rPr lang="en-US" sz="1600" dirty="0">
+                <a:solidFill>
+                  <a:schemeClr val="dk1"/>
+                </a:solidFill>
+              </a:rPr>
+              <a:t>Attendance (is not optional)</a:t>
+            </a:r>
+          </a:p>
+          <a:p>
+            <a:pPr indent="-330200">
+              <a:spcBef>
+                <a:spcPts val="700"/>
+              </a:spcBef>
+              <a:buClr>
+                <a:schemeClr val="dk1"/>
+              </a:buClr>
+              <a:buSzPts val="1600"/>
+            </a:pPr>
+            <a:r>
+              <a:rPr lang="en-US" sz="1600" dirty="0">
+                <a:solidFill>
+                  <a:schemeClr val="dk1"/>
+                </a:solidFill>
+              </a:rPr>
+              <a:t>Platforms: </a:t>
+            </a:r>
+          </a:p>
+          <a:p>
+            <a:pPr lvl="1" indent="-330200">
+              <a:spcBef>
+                <a:spcPts val="700"/>
+              </a:spcBef>
+              <a:buClr>
+                <a:schemeClr val="dk1"/>
+              </a:buClr>
+              <a:buSzPts val="1600"/>
+            </a:pPr>
+            <a:r>
+              <a:rPr lang="en-US" sz="1600" dirty="0">
+                <a:solidFill>
+                  <a:schemeClr val="dk1"/>
+                </a:solidFill>
+              </a:rPr>
+              <a:t>Class will be on zoom</a:t>
+            </a:r>
+          </a:p>
+          <a:p>
+            <a:pPr lvl="1" indent="-330200">
+              <a:spcBef>
+                <a:spcPts val="700"/>
+              </a:spcBef>
+              <a:buClr>
+                <a:schemeClr val="dk1"/>
+              </a:buClr>
+              <a:buSzPts val="1600"/>
+            </a:pPr>
+            <a:r>
+              <a:rPr lang="en-US" sz="1600" dirty="0">
+                <a:solidFill>
+                  <a:schemeClr val="dk1"/>
+                </a:solidFill>
+              </a:rPr>
+              <a:t>Latest content will be on </a:t>
+            </a:r>
+            <a:r>
+              <a:rPr lang="en-US" sz="1600" b="1" dirty="0" err="1">
+                <a:solidFill>
+                  <a:schemeClr val="dk1"/>
+                </a:solidFill>
+              </a:rPr>
+              <a:t>github</a:t>
+            </a:r>
+            <a:endParaRPr lang="en-US" sz="1600" b="1" dirty="0">
+              <a:solidFill>
+                <a:schemeClr val="dk1"/>
+              </a:solidFill>
+            </a:endParaRPr>
+          </a:p>
+          <a:p>
+            <a:pPr lvl="1" indent="-330200">
+              <a:spcBef>
+                <a:spcPts val="700"/>
+              </a:spcBef>
+              <a:buClr>
+                <a:schemeClr val="dk1"/>
+              </a:buClr>
+              <a:buSzPts val="1600"/>
+            </a:pPr>
+            <a:r>
+              <a:rPr lang="en" sz="1600" b="1" dirty="0">
+                <a:solidFill>
+                  <a:schemeClr val="dk1"/>
+                </a:solidFill>
+              </a:rPr>
+              <a:t>Canvas</a:t>
+            </a:r>
+            <a:r>
+              <a:rPr lang="en" sz="1600" dirty="0">
+                <a:solidFill>
+                  <a:schemeClr val="dk1"/>
+                </a:solidFill>
+              </a:rPr>
+              <a:t> (for assignment submissions)</a:t>
+            </a:r>
+          </a:p>
+          <a:p>
+            <a:pPr lvl="1" indent="-330200">
+              <a:spcBef>
+                <a:spcPts val="700"/>
+              </a:spcBef>
+              <a:buClr>
+                <a:schemeClr val="dk1"/>
+              </a:buClr>
+              <a:buSzPts val="1600"/>
+            </a:pPr>
+            <a:r>
+              <a:rPr lang="en" sz="1600" b="1" dirty="0">
+                <a:solidFill>
+                  <a:schemeClr val="dk1"/>
+                </a:solidFill>
+              </a:rPr>
+              <a:t>Slack</a:t>
+            </a:r>
+            <a:r>
+              <a:rPr lang="en" sz="1600" dirty="0">
+                <a:solidFill>
+                  <a:schemeClr val="dk1"/>
+                </a:solidFill>
+              </a:rPr>
+              <a:t> for communications and project and teamwork</a:t>
+            </a:r>
+          </a:p>
+          <a:p>
+            <a:pPr indent="-330200">
+              <a:spcBef>
+                <a:spcPts val="700"/>
+              </a:spcBef>
+              <a:buClr>
+                <a:schemeClr val="dk1"/>
+              </a:buClr>
+              <a:buSzPts val="1600"/>
             </a:pPr>
             <a:r>
               <a:rPr lang="en" sz="1600" dirty="0">
@@ -13188,94 +13165,18 @@
                   <a:schemeClr val="dk1"/>
                 </a:solidFill>
               </a:rPr>
-              <a:t>TAs</a:t>
+              <a:t>Wednesday sessions</a:t>
             </a:r>
-            <a:br>
-              <a:rPr lang="en" sz="1600" dirty="0">
-                <a:solidFill>
-                  <a:schemeClr val="dk1"/>
-                </a:solidFill>
-              </a:rPr>
-            </a:br>
-            <a:endParaRPr sz="1600" dirty="0">
-              <a:solidFill>
-                <a:schemeClr val="dk1"/>
-              </a:solidFill>
-            </a:endParaRPr>
           </a:p>
           <a:p>
-            <a:pPr marL="0" lvl="0" indent="0" algn="l" rtl="0">
+            <a:pPr indent="-330200">
               <a:spcBef>
                 <a:spcPts val="700"/>
               </a:spcBef>
-              <a:spcAft>
-                <a:spcPts val="0"/>
-              </a:spcAft>
-              <a:buNone/>
-            </a:pPr>
-            <a:endParaRPr sz="1600" dirty="0">
-              <a:solidFill>
-                <a:schemeClr val="dk1"/>
-              </a:solidFill>
-            </a:endParaRPr>
-          </a:p>
-          <a:p>
-            <a:pPr marL="0" lvl="0" indent="0" algn="l" rtl="0">
-              <a:spcBef>
-                <a:spcPts val="700"/>
-              </a:spcBef>
-              <a:spcAft>
-                <a:spcPts val="0"/>
-              </a:spcAft>
-              <a:buNone/>
-            </a:pPr>
-            <a:endParaRPr sz="1600" dirty="0">
-              <a:solidFill>
-                <a:schemeClr val="dk1"/>
-              </a:solidFill>
-            </a:endParaRPr>
-          </a:p>
-          <a:p>
-            <a:pPr marL="457200" lvl="0" indent="-330200" algn="l" rtl="0">
-              <a:spcBef>
-                <a:spcPts val="700"/>
-              </a:spcBef>
-              <a:spcAft>
-                <a:spcPts val="0"/>
-              </a:spcAft>
               <a:buClr>
                 <a:schemeClr val="dk1"/>
               </a:buClr>
               <a:buSzPts val="1600"/>
-              <a:buChar char="●"/>
-            </a:pPr>
-            <a:r>
-              <a:rPr lang="en" sz="1600" dirty="0">
-                <a:solidFill>
-                  <a:schemeClr val="dk1"/>
-                </a:solidFill>
-              </a:rPr>
-              <a:t>Technical review sessions</a:t>
-            </a:r>
-            <a:endParaRPr sz="1600" dirty="0">
-              <a:solidFill>
-                <a:schemeClr val="dk1"/>
-              </a:solidFill>
-            </a:endParaRPr>
-          </a:p>
-          <a:p>
-            <a:pPr marL="457200" lvl="0" indent="-330200" algn="l" rtl="0">
-              <a:spcBef>
-                <a:spcPts val="0"/>
-              </a:spcBef>
-              <a:spcAft>
-                <a:spcPts val="0"/>
-              </a:spcAft>
-              <a:buClr>
-                <a:schemeClr val="dk1"/>
-              </a:buClr>
-              <a:buSzPts val="1600"/>
-              <a:buChar char="●"/>
             </a:pPr>
             <a:r>
               <a:rPr lang="en" sz="1600" dirty="0">
@@ -13285,176 +13186,59 @@
               </a:rPr>
               <a:t>Office hours</a:t>
             </a:r>
-            <a:endParaRPr sz="1600" dirty="0">
-              <a:solidFill>
-                <a:schemeClr val="dk1"/>
-              </a:solidFill>
-            </a:endParaRPr>
           </a:p>
           <a:p>
-            <a:pPr marL="457200" lvl="0" indent="-330200" algn="l" rtl="0">
-              <a:spcBef>
-                <a:spcPts val="0"/>
-              </a:spcBef>
-              <a:spcAft>
-                <a:spcPts val="0"/>
-              </a:spcAft>
+            <a:pPr indent="-330200">
+              <a:spcBef>
+                <a:spcPts val="700"/>
+              </a:spcBef>
               <a:buClr>
                 <a:schemeClr val="dk1"/>
               </a:buClr>
               <a:buSzPts val="1600"/>
-              <a:buChar char="●"/>
             </a:pPr>
             <a:r>
-              <a:rPr lang="en" sz="1600" dirty="0">
+              <a:rPr lang="en-US" sz="1600" dirty="0">
                 <a:solidFill>
                   <a:schemeClr val="dk1"/>
                 </a:solidFill>
               </a:rPr>
               <a:t>Weekly Reviews (due before class every Tuesday)</a:t>
             </a:r>
-            <a:endParaRPr sz="1600" dirty="0">
-              <a:solidFill>
-                <a:schemeClr val="dk1"/>
-              </a:solidFill>
-            </a:endParaRPr>
           </a:p>
           <a:p>
-            <a:pPr marL="457200" lvl="0" indent="-330200" algn="l" rtl="0">
-              <a:spcBef>
-                <a:spcPts val="0"/>
-              </a:spcBef>
-              <a:spcAft>
-                <a:spcPts val="0"/>
-              </a:spcAft>
+            <a:pPr indent="-330200">
+              <a:spcBef>
+                <a:spcPts val="700"/>
+              </a:spcBef>
               <a:buClr>
                 <a:schemeClr val="dk1"/>
               </a:buClr>
               <a:buSzPts val="1600"/>
-              <a:buChar char="●"/>
             </a:pPr>
             <a:r>
-              <a:rPr lang="en" sz="1600" dirty="0">
+              <a:rPr lang="en-US" sz="1600" dirty="0">
                 <a:solidFill>
                   <a:schemeClr val="dk1"/>
                 </a:solidFill>
               </a:rPr>
-              <a:t>Project </a:t>
+              <a:t>TAs: Amartya </a:t>
             </a:r>
-            <a:endParaRPr sz="1600" dirty="0">
-              <a:solidFill>
-                <a:schemeClr val="dk1"/>
-              </a:solidFill>
-            </a:endParaRPr>
-          </a:p>
-          <a:p>
-            <a:pPr marL="457200" lvl="0" indent="-330200" algn="l" rtl="0">
-              <a:spcBef>
-                <a:spcPts val="0"/>
-              </a:spcBef>
-              <a:spcAft>
-                <a:spcPts val="0"/>
-              </a:spcAft>
-              <a:buClr>
-                <a:schemeClr val="dk1"/>
-              </a:buClr>
-              <a:buSzPts val="1600"/>
-              <a:buChar char="●"/>
-            </a:pPr>
             <a:r>
-              <a:rPr lang="en" sz="1600" dirty="0">
+              <a:rPr lang="en-US" sz="1600" dirty="0" err="1">
                 <a:solidFill>
                   <a:schemeClr val="dk1"/>
                 </a:solidFill>
               </a:rPr>
-              <a:t>Attendance (is not optional)</a:t>
+              <a:t>Basu</a:t>
             </a:r>
-            <a:endParaRPr sz="1600" dirty="0">
-              <a:solidFill>
-                <a:schemeClr val="dk1"/>
-              </a:solidFill>
-            </a:endParaRPr>
-          </a:p>
-          <a:p>
-            <a:pPr marL="457200" lvl="0" indent="-330200" algn="l" rtl="0">
-              <a:spcBef>
-                <a:spcPts val="0"/>
-              </a:spcBef>
-              <a:spcAft>
-                <a:spcPts val="0"/>
-              </a:spcAft>
-              <a:buClr>
-                <a:schemeClr val="dk1"/>
-              </a:buClr>
-              <a:buSzPts val="1600"/>
-              <a:buChar char="●"/>
-            </a:pPr>
             <a:r>
-              <a:rPr lang="en" sz="1600" dirty="0" err="1">
+              <a:rPr lang="en-US" sz="1600" dirty="0">
                 <a:solidFill>
                   <a:schemeClr val="dk1"/>
                 </a:solidFill>
               </a:rPr>
-              <a:t>Github</a:t>
-            </a:r>
-            <a:r>
-              <a:rPr lang="en" sz="1600" dirty="0">
-                <a:solidFill>
-                  <a:schemeClr val="dk1"/>
-                </a:solidFill>
-              </a:rPr>
-              <a:t> page (for content)</a:t>
-            </a:r>
-            <a:endParaRPr sz="1600" dirty="0">
-              <a:solidFill>
-                <a:schemeClr val="dk1"/>
-              </a:solidFill>
-            </a:endParaRPr>
-          </a:p>
-          <a:p>
-            <a:pPr marL="457200" lvl="0" indent="-330200" algn="l" rtl="0">
-              <a:spcBef>
-                <a:spcPts val="0"/>
-              </a:spcBef>
-              <a:spcAft>
-                <a:spcPts val="0"/>
-              </a:spcAft>
-              <a:buClr>
-                <a:schemeClr val="dk1"/>
-              </a:buClr>
-              <a:buSzPts val="1600"/>
-              <a:buChar char="●"/>
-            </a:pPr>
-            <a:r>
-              <a:rPr lang="en" sz="1600" dirty="0">
-                <a:solidFill>
-                  <a:schemeClr val="dk1"/>
-                </a:solidFill>
-              </a:rPr>
-              <a:t>Canvas (for content + submissions)  and Piazza (for questions and discussion)</a:t>
-            </a:r>
-          </a:p>
-          <a:p>
-            <a:pPr marL="457200" lvl="0" indent="-330200" algn="l" rtl="0">
-              <a:spcBef>
-                <a:spcPts val="0"/>
-              </a:spcBef>
-              <a:spcAft>
-                <a:spcPts val="0"/>
-              </a:spcAft>
-              <a:buClr>
-                <a:schemeClr val="dk1"/>
-              </a:buClr>
-              <a:buSzPts val="1600"/>
-              <a:buChar char="●"/>
-            </a:pPr>
-            <a:r>
-              <a:rPr lang="en" sz="1600" dirty="0">
-                <a:solidFill>
-                  <a:schemeClr val="dk1"/>
-                </a:solidFill>
-              </a:rPr>
-              <a:t>Slack</a:t>
+              <a:t>, Aaron Dunmore</a:t>
             </a:r>
             <a:endParaRPr sz="1600" dirty="0">
               <a:solidFill>
@@ -13465,27 +13249,6 @@
           <a:p>
             <a:pPr marL="0" lvl="0" indent="0" algn="l" rtl="0">
               <a:spcBef>
-                <a:spcPts val="700"/>
-              </a:spcBef>
-              <a:spcAft>
-                <a:spcPts val="0"/>
-              </a:spcAft>
-              <a:buClr>
-                <a:schemeClr val="dk1"/>
-              </a:buClr>
-              <a:buSzPts val="1100"/>
-              <a:buFont typeface="Arial"/>
-              <a:buNone/>
-            </a:pPr>
-            <a:endParaRPr sz="1600" dirty="0">
-              <a:solidFill>
-                <a:schemeClr val="dk1"/>
-              </a:solidFill>
-            </a:endParaRPr>
-          </a:p>
-          <a:p>
-            <a:pPr marL="0" lvl="0" indent="0" algn="l" rtl="0">
-              <a:spcBef>
                 <a:spcPts val="0"/>
               </a:spcBef>
               <a:spcAft>
@@ -13494,52 +13257,6 @@
               <a:buNone/>
             </a:pPr>
             <a:endParaRPr sz="1600" dirty="0"/>
-          </a:p>
-        </p:txBody>
-      </p:sp>
-      <p:sp>
-        <p:nvSpPr>
-          <p:cNvPr id="5" name="TextBox 4">
-            <a:extLst>
-              <a:ext uri="{FF2B5EF4-FFF2-40B4-BE49-F238E27FC236}">
-                <a16:creationId xmlns:a16="http://schemas.microsoft.com/office/drawing/2014/main" id="{4F7883DE-FD2A-3748-B694-62E6ECBA8424}"/>
-              </a:ext>
-            </a:extLst>
-          </p:cNvPr>
-          <p:cNvSpPr txBox="1"/>
-          <p:nvPr/>
-        </p:nvSpPr>
-        <p:spPr>
-          <a:xfrm>
-            <a:off x="1741335" y="1399430"/>
-            <a:ext cx="3124863" cy="1107996"/>
-          </a:xfrm>
-          <a:prstGeom prst="rect">
-            <a:avLst/>
-          </a:prstGeom>
-          <a:solidFill>
-            <a:schemeClr val="accent6"/>
-          </a:solidFill>
-        </p:spPr>
-        <p:txBody>
-          <a:bodyPr wrap="square" rtlCol="0">
-            <a:spAutoFit/>
-          </a:bodyPr>
-          <a:lstStyle/>
-          <a:p>
-            <a:r>
-              <a:rPr lang="en-US" sz="6600" dirty="0">
-                <a:solidFill>
-                  <a:srgbClr val="FF0000"/>
-                </a:solidFill>
-              </a:rPr>
-              <a:t>Update</a:t>
-            </a:r>
-            <a:endParaRPr lang="en-US" dirty="0">
-              <a:solidFill>
-                <a:srgbClr val="FF0000"/>
-              </a:solidFill>
-            </a:endParaRPr>
           </a:p>
         </p:txBody>
       </p:sp>
@@ -13552,123 +13269,6 @@
 </file>
 
 <file path=ppt/slides/slide13.xml><?xml version="1.0" encoding="utf-8"?>
-<p:sld xmlns:a="http://schemas.openxmlformats.org/drawingml/2006/main" xmlns:r="http://schemas.openxmlformats.org/officeDocument/2006/relationships" xmlns:p="http://schemas.openxmlformats.org/presentationml/2006/main">
-  <p:cSld>
-    <p:spTree>
-      <p:nvGrpSpPr>
-        <p:cNvPr id="1" name="Shape 151"/>
-        <p:cNvGrpSpPr/>
-        <p:nvPr/>
-      </p:nvGrpSpPr>
-      <p:grpSpPr>
-        <a:xfrm>
-          <a:off x="0" y="0"/>
-          <a:ext cx="0" cy="0"/>
-          <a:chOff x="0" y="0"/>
-          <a:chExt cx="0" cy="0"/>
-        </a:xfrm>
-      </p:grpSpPr>
-      <p:sp>
-        <p:nvSpPr>
-          <p:cNvPr id="152" name="Google Shape;152;p25"/>
-          <p:cNvSpPr txBox="1">
-            <a:spLocks noGrp="1"/>
-          </p:cNvSpPr>
-          <p:nvPr>
-            <p:ph type="title"/>
-          </p:nvPr>
-        </p:nvSpPr>
-        <p:spPr>
-          <a:xfrm>
-            <a:off x="311700" y="445025"/>
-            <a:ext cx="8520600" cy="572700"/>
-          </a:xfrm>
-          <a:prstGeom prst="rect">
-            <a:avLst/>
-          </a:prstGeom>
-        </p:spPr>
-        <p:txBody>
-          <a:bodyPr spcFirstLastPara="1" wrap="square" lIns="91425" tIns="91425" rIns="91425" bIns="91425" anchor="t" anchorCtr="0">
-            <a:noAutofit/>
-          </a:bodyPr>
-          <a:lstStyle/>
-          <a:p>
-            <a:pPr marL="0" lvl="0" indent="0" algn="l" rtl="0">
-              <a:spcBef>
-                <a:spcPts val="0"/>
-              </a:spcBef>
-              <a:spcAft>
-                <a:spcPts val="0"/>
-              </a:spcAft>
-              <a:buNone/>
-            </a:pPr>
-            <a:r>
-              <a:rPr lang="en"/>
-              <a:t>Weekly Structure</a:t>
-            </a:r>
-            <a:endParaRPr/>
-          </a:p>
-        </p:txBody>
-      </p:sp>
-      <p:sp>
-        <p:nvSpPr>
-          <p:cNvPr id="5" name="Text Placeholder 4">
-            <a:extLst>
-              <a:ext uri="{FF2B5EF4-FFF2-40B4-BE49-F238E27FC236}">
-                <a16:creationId xmlns:a16="http://schemas.microsoft.com/office/drawing/2014/main" id="{C2BEB123-10D1-6648-A15F-7AB0344B53D7}"/>
-              </a:ext>
-            </a:extLst>
-          </p:cNvPr>
-          <p:cNvSpPr txBox="1">
-            <a:spLocks noGrp="1"/>
-          </p:cNvSpPr>
-          <p:nvPr>
-            <p:ph type="body" idx="1"/>
-          </p:nvPr>
-        </p:nvSpPr>
-        <p:spPr>
-          <a:xfrm>
-            <a:off x="311150" y="1152525"/>
-            <a:ext cx="8521700" cy="3416300"/>
-          </a:xfrm>
-          <a:prstGeom prst="rect">
-            <a:avLst/>
-          </a:prstGeom>
-          <a:solidFill>
-            <a:schemeClr val="accent6"/>
-          </a:solidFill>
-        </p:spPr>
-        <p:txBody>
-          <a:bodyPr wrap="square" rtlCol="0">
-            <a:spAutoFit/>
-          </a:bodyPr>
-          <a:lstStyle/>
-          <a:p>
-            <a:r>
-              <a:rPr lang="en-US" sz="6600" dirty="0">
-                <a:solidFill>
-                  <a:srgbClr val="FF0000"/>
-                </a:solidFill>
-              </a:rPr>
-              <a:t>Update</a:t>
-            </a:r>
-            <a:endParaRPr lang="en-US" dirty="0">
-              <a:solidFill>
-                <a:srgbClr val="FF0000"/>
-              </a:solidFill>
-            </a:endParaRPr>
-          </a:p>
-        </p:txBody>
-      </p:sp>
-    </p:spTree>
-  </p:cSld>
-  <p:clrMapOvr>
-    <a:masterClrMapping/>
-  </p:clrMapOvr>
-</p:sld>
-</file>
-
-<file path=ppt/slides/slide14.xml><?xml version="1.0" encoding="utf-8"?>
 <p:sld xmlns:a="http://schemas.openxmlformats.org/drawingml/2006/main" xmlns:r="http://schemas.openxmlformats.org/officeDocument/2006/relationships" xmlns:p="http://schemas.openxmlformats.org/presentationml/2006/main">
   <p:cSld>
     <p:spTree>
@@ -13764,7 +13364,19 @@
             </a:pPr>
             <a:r>
               <a:rPr lang="en" dirty="0"/>
-              <a:t>Make sure to fill out the survey by 6pm today</a:t>
+              <a:t>Make sure to fill out the survey by </a:t>
+            </a:r>
+            <a:r>
+              <a:rPr lang="en-US" dirty="0"/>
+              <a:t>W</a:t>
+            </a:r>
+            <a:r>
+              <a:rPr lang="en" dirty="0" err="1"/>
+              <a:t>ednesday</a:t>
+            </a:r>
+            <a:r>
+              <a:rPr lang="en" dirty="0"/>
+              <a:t> 6pm</a:t>
             </a:r>
             <a:endParaRPr dirty="0"/>
           </a:p>
@@ -13818,7 +13430,7 @@
             </a:pPr>
             <a:r>
               <a:rPr lang="en" dirty="0"/>
-              <a:t>We’ll make 4-person teams at the end of this week to balance your preferences, experience, and background</a:t>
+              <a:t>We’ll make 4-person teams at the end of this week to balance your preferences, time constraints, experience, and background</a:t>
             </a:r>
             <a:br>
               <a:rPr lang="en" dirty="0"/>
@@ -13838,55 +13450,38 @@
             </a:pPr>
             <a:r>
               <a:rPr lang="en" dirty="0"/>
-              <a:t>We might need to adjust based on people dropping the class</a:t>
+              <a:t>We might need to adjust based on people dropping the class so don’t get too attached to your team and project</a:t>
+            </a:r>
+          </a:p>
+          <a:p>
+            <a:pPr marL="457200" lvl="0" indent="-342900" algn="l" rtl="0">
+              <a:spcBef>
+                <a:spcPts val="0"/>
+              </a:spcBef>
+              <a:spcAft>
+                <a:spcPts val="0"/>
+              </a:spcAft>
+              <a:buSzPts val="1800"/>
+              <a:buChar char="●"/>
+            </a:pPr>
+            <a:endParaRPr lang="en" dirty="0"/>
+          </a:p>
+          <a:p>
+            <a:pPr marL="457200" lvl="0" indent="-342900" algn="l" rtl="0">
+              <a:spcBef>
+                <a:spcPts val="0"/>
+              </a:spcBef>
+              <a:spcAft>
+                <a:spcPts val="0"/>
+              </a:spcAft>
+              <a:buSzPts val="1800"/>
+              <a:buChar char="●"/>
+            </a:pPr>
+            <a:r>
+              <a:rPr lang="en" dirty="0"/>
+              <a:t>If you’re going to drop this class, drop now (before we make teams)</a:t>
             </a:r>
             <a:endParaRPr dirty="0"/>
-          </a:p>
-        </p:txBody>
-      </p:sp>
-      <p:sp>
-        <p:nvSpPr>
-          <p:cNvPr id="4" name="TextBox 3">
-            <a:extLst>
-              <a:ext uri="{FF2B5EF4-FFF2-40B4-BE49-F238E27FC236}">
-                <a16:creationId xmlns:a16="http://schemas.microsoft.com/office/drawing/2014/main" id="{D97C93A8-5E0F-B940-A375-BB9A21DED3CF}"/>
-              </a:ext>
-            </a:extLst>
-          </p:cNvPr>
-          <p:cNvSpPr txBox="1"/>
-          <p:nvPr/>
-        </p:nvSpPr>
-        <p:spPr>
-          <a:xfrm>
-            <a:off x="2671638" y="1645920"/>
-            <a:ext cx="3124863" cy="1107996"/>
-          </a:xfrm>
-          <a:prstGeom prst="rect">
-            <a:avLst/>
-          </a:prstGeom>
-          <a:solidFill>
-            <a:schemeClr val="accent6"/>
-          </a:solidFill>
-        </p:spPr>
-        <p:txBody>
-          <a:bodyPr wrap="square" rtlCol="0">
-            <a:spAutoFit/>
-          </a:bodyPr>
-          <a:lstStyle/>
-          <a:p>
-            <a:r>
-              <a:rPr lang="en-US" sz="6600" dirty="0">
-                <a:solidFill>
-                  <a:srgbClr val="FF0000"/>
-                </a:solidFill>
-              </a:rPr>
-              <a:t>Update</a:t>
-            </a:r>
-            <a:endParaRPr lang="en-US" dirty="0">
-              <a:solidFill>
-                <a:srgbClr val="FF0000"/>
-              </a:solidFill>
-            </a:endParaRPr>
           </a:p>
         </p:txBody>
       </p:sp>
@@ -13898,7 +13493,7 @@
 </p:sld>
 </file>
 
-<file path=ppt/slides/slide15.xml><?xml version="1.0" encoding="utf-8"?>
+<file path=ppt/slides/slide14.xml><?xml version="1.0" encoding="utf-8"?>
 <p:sld xmlns:a="http://schemas.openxmlformats.org/drawingml/2006/main" xmlns:r="http://schemas.openxmlformats.org/officeDocument/2006/relationships" xmlns:p="http://schemas.openxmlformats.org/presentationml/2006/main">
   <p:cSld>
     <p:spTree>
@@ -13999,7 +13594,7 @@
               <a:buChar char="●"/>
             </a:pPr>
             <a:r>
-              <a:rPr lang="en" sz="1600" dirty="0">
+              <a:rPr lang="en" dirty="0">
                 <a:solidFill>
                   <a:srgbClr val="444444"/>
                 </a:solidFill>
@@ -14028,7 +13623,7 @@
               <a:buChar char="●"/>
             </a:pPr>
             <a:r>
-              <a:rPr lang="en" sz="1600" dirty="0">
+              <a:rPr lang="en" dirty="0">
                 <a:solidFill>
                   <a:srgbClr val="444444"/>
                 </a:solidFill>
@@ -14038,7 +13633,7 @@
               </a:rPr>
               <a:t>Reducing hazardous waste violations by prioritizing environmental inspections</a:t>
             </a:r>
-            <a:endParaRPr sz="1600" dirty="0">
+            <a:endParaRPr dirty="0">
               <a:solidFill>
                 <a:srgbClr val="444444"/>
               </a:solidFill>
@@ -14065,7 +13660,7 @@
               <a:buChar char="●"/>
             </a:pPr>
             <a:r>
-              <a:rPr lang="en" sz="1600" dirty="0">
+              <a:rPr lang="en" dirty="0">
                 <a:solidFill>
                   <a:srgbClr val="444444"/>
                 </a:solidFill>
@@ -14073,7 +13668,7 @@
                   <a:srgbClr val="FFFFFF"/>
                 </a:highlight>
               </a:rPr>
-              <a:t>Improving charitable donation asks by identifying projects at risk of not being funded</a:t>
+              <a:t>Identifying state bills that are likely to pass to support advocacy efforts</a:t>
             </a:r>
           </a:p>
           <a:p>
@@ -14094,7 +13689,7 @@
               <a:buChar char="●"/>
             </a:pPr>
             <a:r>
-              <a:rPr lang="en" sz="1600" dirty="0">
+              <a:rPr lang="en" dirty="0">
                 <a:solidFill>
                   <a:srgbClr val="444444"/>
                 </a:solidFill>
@@ -14102,28 +13697,10 @@
                   <a:srgbClr val="FFFFFF"/>
                 </a:highlight>
               </a:rPr>
-              <a:t>CSF</a:t>
+              <a:t>Identifying voters who are unlikely to vote to support voter turnout efforts and </a:t>
             </a:r>
-          </a:p>
-          <a:p>
-            <a:pPr marL="457200" lvl="0" indent="-330200" algn="l" rtl="0">
-              <a:lnSpc>
-                <a:spcPct val="146250"/>
-              </a:lnSpc>
-              <a:spcBef>
-                <a:spcPts val="0"/>
-              </a:spcBef>
-              <a:spcAft>
-                <a:spcPts val="0"/>
-              </a:spcAft>
-              <a:buClr>
-                <a:srgbClr val="444444"/>
-              </a:buClr>
-              <a:buSzPts val="1600"/>
-              <a:buChar char="●"/>
-            </a:pPr>
             <a:r>
-              <a:rPr lang="en" sz="1600" dirty="0">
+              <a:rPr lang="en" dirty="0" err="1">
                 <a:solidFill>
                   <a:srgbClr val="444444"/>
                 </a:solidFill>
@@ -14131,61 +13708,26 @@
                   <a:srgbClr val="FFFFFF"/>
                 </a:highlight>
               </a:rPr>
-              <a:t>ACLU</a:t>
+              <a:t>inrease</a:t>
             </a:r>
-            <a:endParaRPr sz="1600" dirty="0">
+            <a:r>
+              <a:rPr lang="en" dirty="0">
+                <a:solidFill>
+                  <a:srgbClr val="444444"/>
+                </a:solidFill>
+                <a:highlight>
+                  <a:srgbClr val="FFFFFF"/>
+                </a:highlight>
+              </a:rPr>
+              <a:t> civic participation</a:t>
+            </a:r>
+            <a:endParaRPr dirty="0">
               <a:solidFill>
                 <a:srgbClr val="222222"/>
               </a:solidFill>
               <a:highlight>
                 <a:srgbClr val="FFFFFF"/>
               </a:highlight>
-            </a:endParaRPr>
-          </a:p>
-        </p:txBody>
-      </p:sp>
-      <p:sp>
-        <p:nvSpPr>
-          <p:cNvPr id="4" name="TextBox 3">
-            <a:extLst>
-              <a:ext uri="{FF2B5EF4-FFF2-40B4-BE49-F238E27FC236}">
-                <a16:creationId xmlns:a16="http://schemas.microsoft.com/office/drawing/2014/main" id="{E0000295-F6A4-3D44-B1B0-BB5A822D2EF1}"/>
-              </a:ext>
-            </a:extLst>
-          </p:cNvPr>
-          <p:cNvSpPr txBox="1"/>
-          <p:nvPr/>
-        </p:nvSpPr>
-        <p:spPr>
-          <a:xfrm>
-            <a:off x="2671638" y="1645920"/>
-            <a:ext cx="3124863" cy="1107996"/>
-          </a:xfrm>
-          <a:prstGeom prst="rect">
-            <a:avLst/>
-          </a:prstGeom>
-          <a:solidFill>
-            <a:schemeClr val="accent6"/>
-          </a:solidFill>
-        </p:spPr>
-        <p:txBody>
-          <a:bodyPr wrap="square" rtlCol="0">
-            <a:spAutoFit/>
-          </a:bodyPr>
-          <a:lstStyle/>
-          <a:p>
-            <a:r>
-              <a:rPr lang="en-US" sz="6600" dirty="0">
-                <a:solidFill>
-                  <a:srgbClr val="FF0000"/>
-                </a:solidFill>
-              </a:rPr>
-              <a:t>Update</a:t>
-            </a:r>
-            <a:endParaRPr lang="en-US" dirty="0">
-              <a:solidFill>
-                <a:srgbClr val="FF0000"/>
-              </a:solidFill>
             </a:endParaRPr>
           </a:p>
         </p:txBody>
@@ -14198,7 +13740,7 @@
 </p:sld>
 </file>
 
-<file path=ppt/slides/slide16.xml><?xml version="1.0" encoding="utf-8"?>
+<file path=ppt/slides/slide15.xml><?xml version="1.0" encoding="utf-8"?>
 <p:sld xmlns:a="http://schemas.openxmlformats.org/drawingml/2006/main" xmlns:r="http://schemas.openxmlformats.org/officeDocument/2006/relationships" xmlns:p="http://schemas.openxmlformats.org/presentationml/2006/main">
   <p:cSld>
     <p:spTree>
@@ -14316,14 +13858,14 @@
               <a:buChar char="●"/>
             </a:pPr>
             <a:r>
-              <a:rPr lang="en" b="1">
+              <a:rPr lang="en" b="1" dirty="0">
                 <a:solidFill>
                   <a:srgbClr val="000000"/>
                 </a:solidFill>
               </a:rPr>
               <a:t>Do not download or copy any data from the server on your local machine *</a:t>
             </a:r>
-            <a:endParaRPr b="1">
+            <a:endParaRPr b="1" dirty="0">
               <a:solidFill>
                 <a:srgbClr val="000000"/>
               </a:solidFill>
@@ -14339,7 +13881,7 @@
               </a:spcAft>
               <a:buNone/>
             </a:pPr>
-            <a:endParaRPr b="1">
+            <a:endParaRPr b="1" dirty="0">
               <a:solidFill>
                 <a:srgbClr val="000000"/>
               </a:solidFill>
@@ -14360,14 +13902,22 @@
               <a:buChar char="●"/>
             </a:pPr>
             <a:r>
-              <a:rPr lang="en" b="1">
+              <a:rPr lang="en" b="1" dirty="0">
                 <a:solidFill>
                   <a:srgbClr val="000000"/>
                 </a:solidFill>
               </a:rPr>
-              <a:t>Keep your credentials secure and do not commit them to github</a:t>
+              <a:t>Keep your credentials secure and do not commit them to </a:t>
             </a:r>
-            <a:endParaRPr b="1">
+            <a:r>
+              <a:rPr lang="en" b="1" dirty="0" err="1">
+                <a:solidFill>
+                  <a:srgbClr val="000000"/>
+                </a:solidFill>
+              </a:rPr>
+              <a:t>github</a:t>
+            </a:r>
+            <a:endParaRPr b="1" dirty="0">
               <a:solidFill>
                 <a:srgbClr val="000000"/>
               </a:solidFill>
@@ -14383,7 +13933,7 @@
               </a:spcAft>
               <a:buNone/>
             </a:pPr>
-            <a:endParaRPr b="1">
+            <a:endParaRPr b="1" dirty="0">
               <a:solidFill>
                 <a:srgbClr val="000000"/>
               </a:solidFill>
@@ -14404,16 +13954,39 @@
               <a:buChar char="●"/>
             </a:pPr>
             <a:r>
-              <a:rPr lang="en" b="1">
+              <a:rPr lang="en" b="1" dirty="0">
                 <a:solidFill>
                   <a:srgbClr val="000000"/>
                 </a:solidFill>
               </a:rPr>
               <a:t>Tell us immediately if you suspect that any data you had access to may be compromised</a:t>
             </a:r>
-            <a:endParaRPr b="1">
+          </a:p>
+          <a:p>
+            <a:pPr marL="457200" lvl="0" indent="-342900" algn="l" rtl="0">
+              <a:spcBef>
+                <a:spcPts val="1600"/>
+              </a:spcBef>
+              <a:spcAft>
+                <a:spcPts val="0"/>
+              </a:spcAft>
+              <a:buClr>
+                <a:srgbClr val="000000"/>
+              </a:buClr>
+              <a:buSzPts val="1800"/>
+              <a:buChar char="●"/>
+            </a:pPr>
+            <a:r>
+              <a:rPr lang="en" b="1" dirty="0">
+                <a:solidFill>
+                  <a:srgbClr val="FF0000"/>
+                </a:solidFill>
+              </a:rPr>
+              <a:t>Return the signed data confidentiality form by end of the week</a:t>
+            </a:r>
+            <a:endParaRPr b="1" dirty="0">
               <a:solidFill>
-                <a:srgbClr val="000000"/>
+                <a:srgbClr val="FF0000"/>
               </a:solidFill>
             </a:endParaRPr>
           </a:p>
@@ -14427,7 +14000,7 @@
               </a:spcAft>
               <a:buNone/>
             </a:pPr>
-            <a:endParaRPr/>
+            <a:endParaRPr dirty="0"/>
           </a:p>
         </p:txBody>
       </p:sp>
@@ -14439,7 +14012,7 @@
 </p:sld>
 </file>
 
-<file path=ppt/slides/slide17.xml><?xml version="1.0" encoding="utf-8"?>
+<file path=ppt/slides/slide16.xml><?xml version="1.0" encoding="utf-8"?>
 <p:sld xmlns:a="http://schemas.openxmlformats.org/drawingml/2006/main" xmlns:r="http://schemas.openxmlformats.org/officeDocument/2006/relationships" xmlns:p="http://schemas.openxmlformats.org/presentationml/2006/main">
   <p:cSld>
     <p:spTree>
@@ -14534,10 +14107,10 @@
               <a:buChar char="●"/>
             </a:pPr>
             <a:r>
-              <a:rPr lang="en"/>
+              <a:rPr lang="en" dirty="0"/>
               <a:t>Make sure you have the following things set up:</a:t>
             </a:r>
-            <a:endParaRPr/>
+            <a:endParaRPr dirty="0"/>
           </a:p>
           <a:p>
             <a:pPr marL="914400" lvl="1" indent="-317500" algn="l" rtl="0">
@@ -14551,14 +14124,18 @@
               <a:buChar char="○"/>
             </a:pPr>
             <a:r>
-              <a:rPr lang="en"/>
-              <a:t>ssh (to connect to the server) </a:t>
+              <a:rPr lang="en" dirty="0" err="1"/>
+              <a:t>ssh</a:t>
             </a:r>
             <a:r>
-              <a:rPr lang="en" b="1"/>
+              <a:rPr lang="en" dirty="0"/>
+              <a:t> (to connect to the server) </a:t>
+            </a:r>
+            <a:r>
+              <a:rPr lang="en" b="1" dirty="0" err="1"/>
               <a:t>mlpolicylab.dssg.io</a:t>
             </a:r>
-            <a:endParaRPr b="1"/>
+            <a:endParaRPr b="1" dirty="0"/>
           </a:p>
           <a:p>
             <a:pPr marL="914400" lvl="1" indent="-317500" algn="l" rtl="0">
@@ -14572,14 +14149,26 @@
               <a:buChar char="○"/>
             </a:pPr>
             <a:r>
-              <a:rPr lang="en"/>
-              <a:t>Dbeaver and psql (to connect to the database) </a:t>
+              <a:rPr lang="en" dirty="0" err="1"/>
+              <a:t>dbeaver</a:t>
             </a:r>
             <a:r>
-              <a:rPr lang="en" b="1"/>
+              <a:rPr lang="en" dirty="0"/>
+              <a:t> and </a:t>
+            </a:r>
+            <a:r>
+              <a:rPr lang="en" dirty="0" err="1"/>
+              <a:t>psql</a:t>
+            </a:r>
+            <a:r>
+              <a:rPr lang="en" dirty="0"/>
+              <a:t> (to connect to the database) </a:t>
+            </a:r>
+            <a:r>
+              <a:rPr lang="en" b="1" dirty="0" err="1"/>
               <a:t>mlpolicylab.db.dssg.io</a:t>
             </a:r>
-            <a:endParaRPr b="1"/>
+            <a:endParaRPr b="1" dirty="0"/>
           </a:p>
           <a:p>
             <a:pPr marL="914400" lvl="1" indent="-317500" algn="l" rtl="0">
@@ -14593,20 +14182,40 @@
               <a:buChar char="○"/>
             </a:pPr>
             <a:r>
-              <a:rPr lang="en"/>
-              <a:t>Github (to collaborate, share code with your team, and submit code) </a:t>
+              <a:rPr lang="en" dirty="0" err="1"/>
+              <a:t>Github</a:t>
             </a:r>
             <a:r>
-              <a:rPr lang="en" b="1"/>
-              <a:t>github.com/dssg/mlforpublicpolicylab</a:t>
+              <a:rPr lang="en" dirty="0"/>
+              <a:t> (to collaborate, share code with your team, and submit code) </a:t>
+            </a:r>
+            <a:r>
+              <a:rPr lang="en" b="1" dirty="0" err="1"/>
+              <a:t>github.com</a:t>
+            </a:r>
+            <a:r>
+              <a:rPr lang="en" b="1" dirty="0"/>
+              <a:t>/</a:t>
+            </a:r>
+            <a:r>
+              <a:rPr lang="en" b="1" dirty="0" err="1"/>
+              <a:t>dssg</a:t>
+            </a:r>
+            <a:r>
+              <a:rPr lang="en" b="1" dirty="0"/>
+              <a:t>/</a:t>
+            </a:r>
+            <a:r>
+              <a:rPr lang="en" b="1" dirty="0" err="1"/>
+              <a:t>mlforpublicpolicylab</a:t>
             </a:r>
             <a:br>
-              <a:rPr lang="en" b="1"/>
+              <a:rPr lang="en" b="1" dirty="0"/>
             </a:br>
             <a:br>
-              <a:rPr lang="en" b="1"/>
+              <a:rPr lang="en" b="1" dirty="0"/>
             </a:br>
-            <a:endParaRPr b="1"/>
+            <a:endParaRPr b="1" dirty="0"/>
           </a:p>
           <a:p>
             <a:pPr marL="457200" lvl="0" indent="-342900" algn="l" rtl="0">
@@ -14620,10 +14229,10 @@
               <a:buChar char="●"/>
             </a:pPr>
             <a:r>
-              <a:rPr lang="en"/>
+              <a:rPr lang="en" dirty="0"/>
               <a:t>Get familiar with:</a:t>
             </a:r>
-            <a:endParaRPr/>
+            <a:endParaRPr dirty="0"/>
           </a:p>
           <a:p>
             <a:pPr marL="914400" lvl="1" indent="-317500" algn="l" rtl="0">
@@ -14637,10 +14246,14 @@
               <a:buChar char="○"/>
             </a:pPr>
             <a:r>
-              <a:rPr lang="en"/>
-              <a:t>Postgresql (to analyze and query data)</a:t>
+              <a:rPr lang="en" dirty="0" err="1"/>
+              <a:t>Postgresql</a:t>
             </a:r>
-            <a:endParaRPr/>
+            <a:r>
+              <a:rPr lang="en" dirty="0"/>
+              <a:t> (to analyze and query data)</a:t>
+            </a:r>
+            <a:endParaRPr dirty="0"/>
           </a:p>
           <a:p>
             <a:pPr marL="914400" lvl="1" indent="-317500" algn="l" rtl="0">
@@ -14654,10 +14267,10 @@
               <a:buChar char="○"/>
             </a:pPr>
             <a:r>
-              <a:rPr lang="en"/>
+              <a:rPr lang="en" dirty="0"/>
               <a:t>*nix command line</a:t>
             </a:r>
-            <a:endParaRPr/>
+            <a:endParaRPr dirty="0"/>
           </a:p>
           <a:p>
             <a:pPr marL="914400" lvl="1" indent="-317500" algn="l" rtl="0">
@@ -14671,10 +14284,10 @@
               <a:buChar char="○"/>
             </a:pPr>
             <a:r>
-              <a:rPr lang="en"/>
+              <a:rPr lang="en" dirty="0"/>
               <a:t>Git</a:t>
             </a:r>
-            <a:endParaRPr/>
+            <a:endParaRPr dirty="0"/>
           </a:p>
           <a:p>
             <a:pPr marL="914400" lvl="1" indent="-317500" algn="l" rtl="0">
@@ -14688,10 +14301,10 @@
               <a:buChar char="○"/>
             </a:pPr>
             <a:r>
-              <a:rPr lang="en"/>
+              <a:rPr lang="en" dirty="0"/>
               <a:t>Remote server workflow</a:t>
             </a:r>
-            <a:endParaRPr/>
+            <a:endParaRPr dirty="0"/>
           </a:p>
         </p:txBody>
       </p:sp>
@@ -14732,42 +14345,10 @@
               <a:buNone/>
             </a:pPr>
             <a:r>
-              <a:rPr lang="en"/>
-              <a:t>We’ll have tech sessions this week to help</a:t>
+              <a:rPr lang="en" dirty="0"/>
+              <a:t>We’ll have tech sessions tomorrow to help with setup</a:t>
             </a:r>
-            <a:endParaRPr/>
-          </a:p>
-          <a:p>
-            <a:pPr marL="0" lvl="0" indent="0" algn="l" rtl="0">
-              <a:spcBef>
-                <a:spcPts val="0"/>
-              </a:spcBef>
-              <a:spcAft>
-                <a:spcPts val="0"/>
-              </a:spcAft>
-              <a:buNone/>
-            </a:pPr>
-            <a:r>
-              <a:rPr lang="en"/>
-              <a:t>Thursday 12-1 and 4:30-5</a:t>
-            </a:r>
-            <a:endParaRPr/>
-          </a:p>
-          <a:p>
-            <a:pPr marL="0" lvl="0" indent="0" algn="l" rtl="0">
-              <a:spcBef>
-                <a:spcPts val="0"/>
-              </a:spcBef>
-              <a:spcAft>
-                <a:spcPts val="0"/>
-              </a:spcAft>
-              <a:buNone/>
-            </a:pPr>
-            <a:r>
-              <a:rPr lang="en"/>
-              <a:t>Friday 10-11</a:t>
-            </a:r>
-            <a:endParaRPr/>
+            <a:endParaRPr dirty="0"/>
           </a:p>
         </p:txBody>
       </p:sp>
@@ -14779,8 +14360,8 @@
         </p:nvSpPr>
         <p:spPr>
           <a:xfrm>
-            <a:off x="4453125" y="3353175"/>
-            <a:ext cx="2263500" cy="1197300"/>
+            <a:off x="4453125" y="3374441"/>
+            <a:ext cx="3298010" cy="1197300"/>
           </a:xfrm>
           <a:prstGeom prst="rect">
             <a:avLst/>
@@ -14808,84 +14389,10 @@
               <a:buNone/>
             </a:pPr>
             <a:r>
-              <a:rPr lang="en"/>
-              <a:t>We’ll have tech sessions next week to help</a:t>
+              <a:rPr lang="en" dirty="0"/>
+              <a:t>We’ll have tech sessions over the next few weeks to help</a:t>
             </a:r>
-            <a:endParaRPr/>
-          </a:p>
-          <a:p>
-            <a:pPr marL="0" lvl="0" indent="0" algn="l" rtl="0">
-              <a:spcBef>
-                <a:spcPts val="0"/>
-              </a:spcBef>
-              <a:spcAft>
-                <a:spcPts val="0"/>
-              </a:spcAft>
-              <a:buNone/>
-            </a:pPr>
-            <a:endParaRPr/>
-          </a:p>
-          <a:p>
-            <a:pPr marL="0" lvl="0" indent="0" algn="l" rtl="0">
-              <a:spcBef>
-                <a:spcPts val="0"/>
-              </a:spcBef>
-              <a:spcAft>
-                <a:spcPts val="0"/>
-              </a:spcAft>
-              <a:buNone/>
-            </a:pPr>
-            <a:r>
-              <a:rPr lang="en"/>
-              <a:t>Schedule TBD based on student poll</a:t>
-            </a:r>
-            <a:endParaRPr/>
-          </a:p>
-        </p:txBody>
-      </p:sp>
-      <p:sp>
-        <p:nvSpPr>
-          <p:cNvPr id="6" name="TextBox 5">
-            <a:extLst>
-              <a:ext uri="{FF2B5EF4-FFF2-40B4-BE49-F238E27FC236}">
-                <a16:creationId xmlns:a16="http://schemas.microsoft.com/office/drawing/2014/main" id="{0D345D1B-CE83-D949-A030-613D5450BABF}"/>
-              </a:ext>
-            </a:extLst>
-          </p:cNvPr>
-          <p:cNvSpPr txBox="1"/>
-          <p:nvPr/>
-        </p:nvSpPr>
-        <p:spPr>
-          <a:xfrm>
-            <a:off x="5470497" y="2408465"/>
-            <a:ext cx="3124863" cy="1107996"/>
-          </a:xfrm>
-          <a:prstGeom prst="rect">
-            <a:avLst/>
-          </a:prstGeom>
-          <a:solidFill>
-            <a:schemeClr val="accent6"/>
-          </a:solidFill>
-        </p:spPr>
-        <p:txBody>
-          <a:bodyPr wrap="square" rtlCol="0">
-            <a:spAutoFit/>
-          </a:bodyPr>
-          <a:lstStyle/>
-          <a:p>
-            <a:r>
-              <a:rPr lang="en-US" sz="6600" dirty="0">
-                <a:solidFill>
-                  <a:srgbClr val="FF0000"/>
-                </a:solidFill>
-              </a:rPr>
-              <a:t>Update</a:t>
-            </a:r>
-            <a:endParaRPr lang="en-US" dirty="0">
-              <a:solidFill>
-                <a:srgbClr val="FF0000"/>
-              </a:solidFill>
-            </a:endParaRPr>
+            <a:endParaRPr dirty="0"/>
           </a:p>
         </p:txBody>
       </p:sp>
@@ -14897,7 +14404,7 @@
 </p:sld>
 </file>
 
-<file path=ppt/slides/slide18.xml><?xml version="1.0" encoding="utf-8"?>
+<file path=ppt/slides/slide17.xml><?xml version="1.0" encoding="utf-8"?>
 <p:sld xmlns:a="http://schemas.openxmlformats.org/drawingml/2006/main" xmlns:r="http://schemas.openxmlformats.org/officeDocument/2006/relationships" xmlns:p="http://schemas.openxmlformats.org/presentationml/2006/main">
   <p:cSld>
     <p:spTree>
@@ -14992,10 +14499,10 @@
               <a:buChar char="●"/>
             </a:pPr>
             <a:r>
-              <a:rPr lang="en"/>
-              <a:t>Tech setup</a:t>
+              <a:rPr lang="en" dirty="0"/>
+              <a:t>Tech setup (tomorrow)</a:t>
             </a:r>
-            <a:endParaRPr/>
+            <a:endParaRPr dirty="0"/>
           </a:p>
           <a:p>
             <a:pPr marL="457200" lvl="0" indent="-342900" algn="l" rtl="0">
@@ -15009,10 +14516,10 @@
               <a:buChar char="●"/>
             </a:pPr>
             <a:r>
-              <a:rPr lang="en"/>
+              <a:rPr lang="en" dirty="0"/>
               <a:t>Readings</a:t>
             </a:r>
-            <a:endParaRPr/>
+            <a:endParaRPr dirty="0"/>
           </a:p>
           <a:p>
             <a:pPr marL="914400" lvl="1" indent="-317500" algn="l" rtl="0">
@@ -15026,10 +14533,10 @@
               <a:buChar char="○"/>
             </a:pPr>
             <a:r>
-              <a:rPr lang="en"/>
+              <a:rPr lang="en" dirty="0"/>
               <a:t>Project Scoping guide</a:t>
             </a:r>
-            <a:endParaRPr/>
+            <a:endParaRPr dirty="0"/>
           </a:p>
           <a:p>
             <a:pPr marL="914400" lvl="1" indent="-317500" algn="l" rtl="0">
@@ -15043,10 +14550,10 @@
               <a:buChar char="○"/>
             </a:pPr>
             <a:r>
-              <a:rPr lang="en"/>
+              <a:rPr lang="en" dirty="0"/>
               <a:t>Example case study</a:t>
             </a:r>
-            <a:endParaRPr/>
+            <a:endParaRPr dirty="0"/>
           </a:p>
         </p:txBody>
       </p:sp>
@@ -17367,78 +16874,34 @@
       </p:sp>
       <p:pic>
         <p:nvPicPr>
-          <p:cNvPr id="126" name="Google Shape;126;p21"/>
-          <p:cNvPicPr preferRelativeResize="0"/>
+          <p:cNvPr id="3" name="Picture 2">
+            <a:extLst>
+              <a:ext uri="{FF2B5EF4-FFF2-40B4-BE49-F238E27FC236}">
+                <a16:creationId xmlns:a16="http://schemas.microsoft.com/office/drawing/2014/main" id="{6D3338F0-740A-A04B-9FB1-0C03BF0D00BE}"/>
+              </a:ext>
+            </a:extLst>
+          </p:cNvPr>
+          <p:cNvPicPr>
+            <a:picLocks noChangeAspect="1"/>
+          </p:cNvPicPr>
           <p:nvPr/>
         </p:nvPicPr>
         <p:blipFill>
-          <a:blip r:embed="rId3">
-            <a:alphaModFix/>
-          </a:blip>
+          <a:blip r:embed="rId3"/>
           <a:stretch>
             <a:fillRect/>
           </a:stretch>
         </p:blipFill>
         <p:spPr>
           <a:xfrm>
-            <a:off x="152400" y="1170125"/>
-            <a:ext cx="8839199" cy="3257005"/>
+            <a:off x="1107657" y="1081191"/>
+            <a:ext cx="6912784" cy="4062309"/>
           </a:xfrm>
           <a:prstGeom prst="rect">
             <a:avLst/>
           </a:prstGeom>
-          <a:noFill/>
-          <a:ln>
-            <a:noFill/>
-          </a:ln>
         </p:spPr>
       </p:pic>
-      <p:sp>
-        <p:nvSpPr>
-          <p:cNvPr id="2" name="TextBox 1">
-            <a:extLst>
-              <a:ext uri="{FF2B5EF4-FFF2-40B4-BE49-F238E27FC236}">
-                <a16:creationId xmlns:a16="http://schemas.microsoft.com/office/drawing/2014/main" id="{450CE5A7-7517-AD48-8042-F7AFD773755B}"/>
-              </a:ext>
-            </a:extLst>
-          </p:cNvPr>
-          <p:cNvSpPr txBox="1"/>
-          <p:nvPr/>
-        </p:nvSpPr>
-        <p:spPr>
-          <a:xfrm>
-            <a:off x="2671638" y="1645920"/>
-            <a:ext cx="3124863" cy="1107996"/>
-          </a:xfrm>
-          <a:prstGeom prst="rect">
-            <a:avLst/>
-          </a:prstGeom>
-          <a:solidFill>
-            <a:schemeClr val="accent6"/>
-          </a:solidFill>
-        </p:spPr>
-        <p:txBody>
-          <a:bodyPr wrap="square" rtlCol="0">
-            <a:spAutoFit/>
-          </a:bodyPr>
-          <a:lstStyle/>
-          <a:p>
-            <a:r>
-              <a:rPr lang="en-US" sz="6600" dirty="0">
-                <a:solidFill>
-                  <a:srgbClr val="FF0000"/>
-                </a:solidFill>
-              </a:rPr>
-              <a:t>Update</a:t>
-            </a:r>
-            <a:endParaRPr lang="en-US" dirty="0">
-              <a:solidFill>
-                <a:srgbClr val="FF0000"/>
-              </a:solidFill>
-            </a:endParaRPr>
-          </a:p>
-        </p:txBody>
-      </p:sp>
     </p:spTree>
   </p:cSld>
   <p:clrMapOvr>

--- a/01 - Intro and Scoping/ClassOverview.pptx
+++ b/01 - Intro and Scoping/ClassOverview.pptx
@@ -5,36 +5,35 @@
     <p:sldMasterId id="2147483659" r:id="rId1"/>
   </p:sldMasterIdLst>
   <p:notesMasterIdLst>
-    <p:notesMasterId r:id="rId19"/>
+    <p:notesMasterId r:id="rId18"/>
   </p:notesMasterIdLst>
   <p:sldIdLst>
     <p:sldId id="256" r:id="rId2"/>
     <p:sldId id="257" r:id="rId3"/>
-    <p:sldId id="258" r:id="rId4"/>
-    <p:sldId id="260" r:id="rId5"/>
-    <p:sldId id="261" r:id="rId6"/>
-    <p:sldId id="262" r:id="rId7"/>
-    <p:sldId id="263" r:id="rId8"/>
-    <p:sldId id="295" r:id="rId9"/>
-    <p:sldId id="264" r:id="rId10"/>
-    <p:sldId id="265" r:id="rId11"/>
-    <p:sldId id="266" r:id="rId12"/>
-    <p:sldId id="267" r:id="rId13"/>
-    <p:sldId id="269" r:id="rId14"/>
-    <p:sldId id="270" r:id="rId15"/>
-    <p:sldId id="271" r:id="rId16"/>
-    <p:sldId id="272" r:id="rId17"/>
-    <p:sldId id="273" r:id="rId18"/>
+    <p:sldId id="260" r:id="rId4"/>
+    <p:sldId id="261" r:id="rId5"/>
+    <p:sldId id="262" r:id="rId6"/>
+    <p:sldId id="263" r:id="rId7"/>
+    <p:sldId id="295" r:id="rId8"/>
+    <p:sldId id="264" r:id="rId9"/>
+    <p:sldId id="265" r:id="rId10"/>
+    <p:sldId id="266" r:id="rId11"/>
+    <p:sldId id="267" r:id="rId12"/>
+    <p:sldId id="269" r:id="rId13"/>
+    <p:sldId id="270" r:id="rId14"/>
+    <p:sldId id="271" r:id="rId15"/>
+    <p:sldId id="272" r:id="rId16"/>
+    <p:sldId id="273" r:id="rId17"/>
   </p:sldIdLst>
   <p:sldSz cx="9144000" cy="5143500" type="screen16x9"/>
   <p:notesSz cx="6858000" cy="9144000"/>
   <p:embeddedFontLst>
     <p:embeddedFont>
       <p:font typeface="Lato" panose="020F0502020204030203" pitchFamily="34" charset="77"/>
-      <p:regular r:id="rId20"/>
-      <p:bold r:id="rId21"/>
-      <p:italic r:id="rId22"/>
-      <p:boldItalic r:id="rId23"/>
+      <p:regular r:id="rId19"/>
+      <p:bold r:id="rId20"/>
+      <p:italic r:id="rId21"/>
+      <p:boldItalic r:id="rId22"/>
     </p:embeddedFont>
   </p:embeddedFontLst>
   <p:defaultTextStyle>
@@ -5840,110 +5839,6 @@
   <p:cSld>
     <p:spTree>
       <p:nvGrpSpPr>
-        <p:cNvPr id="1" name="Shape 135"/>
-        <p:cNvGrpSpPr/>
-        <p:nvPr/>
-      </p:nvGrpSpPr>
-      <p:grpSpPr>
-        <a:xfrm>
-          <a:off x="0" y="0"/>
-          <a:ext cx="0" cy="0"/>
-          <a:chOff x="0" y="0"/>
-          <a:chExt cx="0" cy="0"/>
-        </a:xfrm>
-      </p:grpSpPr>
-      <p:sp>
-        <p:nvSpPr>
-          <p:cNvPr id="136" name="Google Shape;136;g6d8ed670a8_0_40:notes"/>
-          <p:cNvSpPr>
-            <a:spLocks noGrp="1" noRot="1" noChangeAspect="1"/>
-          </p:cNvSpPr>
-          <p:nvPr>
-            <p:ph type="sldImg" idx="2"/>
-          </p:nvPr>
-        </p:nvSpPr>
-        <p:spPr>
-          <a:xfrm>
-            <a:off x="381000" y="685800"/>
-            <a:ext cx="6096000" cy="3429000"/>
-          </a:xfrm>
-          <a:custGeom>
-            <a:avLst/>
-            <a:gdLst/>
-            <a:ahLst/>
-            <a:cxnLst/>
-            <a:rect l="l" t="t" r="r" b="b"/>
-            <a:pathLst>
-              <a:path w="120000" h="120000" extrusionOk="0">
-                <a:moveTo>
-                  <a:pt x="0" y="0"/>
-                </a:moveTo>
-                <a:lnTo>
-                  <a:pt x="120000" y="0"/>
-                </a:lnTo>
-                <a:lnTo>
-                  <a:pt x="120000" y="120000"/>
-                </a:lnTo>
-                <a:lnTo>
-                  <a:pt x="0" y="120000"/>
-                </a:lnTo>
-                <a:close/>
-              </a:path>
-            </a:pathLst>
-          </a:custGeom>
-        </p:spPr>
-      </p:sp>
-      <p:sp>
-        <p:nvSpPr>
-          <p:cNvPr id="137" name="Google Shape;137;g6d8ed670a8_0_40:notes"/>
-          <p:cNvSpPr txBox="1">
-            <a:spLocks noGrp="1"/>
-          </p:cNvSpPr>
-          <p:nvPr>
-            <p:ph type="body" idx="1"/>
-          </p:nvPr>
-        </p:nvSpPr>
-        <p:spPr>
-          <a:xfrm>
-            <a:off x="685800" y="4343400"/>
-            <a:ext cx="5486400" cy="4114800"/>
-          </a:xfrm>
-          <a:prstGeom prst="rect">
-            <a:avLst/>
-          </a:prstGeom>
-        </p:spPr>
-        <p:txBody>
-          <a:bodyPr spcFirstLastPara="1" wrap="square" lIns="91425" tIns="91425" rIns="91425" bIns="91425" anchor="t" anchorCtr="0">
-            <a:noAutofit/>
-          </a:bodyPr>
-          <a:lstStyle/>
-          <a:p>
-            <a:pPr marL="0" lvl="0" indent="0" algn="l" rtl="0">
-              <a:spcBef>
-                <a:spcPts val="0"/>
-              </a:spcBef>
-              <a:spcAft>
-                <a:spcPts val="0"/>
-              </a:spcAft>
-              <a:buNone/>
-            </a:pPr>
-            <a:endParaRPr/>
-          </a:p>
-        </p:txBody>
-      </p:sp>
-    </p:spTree>
-  </p:cSld>
-  <p:clrMapOvr>
-    <a:masterClrMapping/>
-  </p:clrMapOvr>
-</p:notes>
-</file>
-
-<file path=ppt/notesSlides/notesSlide11.xml><?xml version="1.0" encoding="utf-8"?>
-<p:notes xmlns:a="http://schemas.openxmlformats.org/drawingml/2006/main" xmlns:r="http://schemas.openxmlformats.org/officeDocument/2006/relationships" xmlns:p="http://schemas.openxmlformats.org/presentationml/2006/main" showMasterSp="0" showMasterPhAnim="0">
-  <p:cSld>
-    <p:spTree>
-      <p:nvGrpSpPr>
         <p:cNvPr id="1" name="Shape 141"/>
         <p:cNvGrpSpPr/>
         <p:nvPr/>
@@ -6043,7 +5938,7 @@
 </p:notes>
 </file>
 
-<file path=ppt/notesSlides/notesSlide12.xml><?xml version="1.0" encoding="utf-8"?>
+<file path=ppt/notesSlides/notesSlide11.xml><?xml version="1.0" encoding="utf-8"?>
 <p:notes xmlns:a="http://schemas.openxmlformats.org/drawingml/2006/main" xmlns:r="http://schemas.openxmlformats.org/officeDocument/2006/relationships" xmlns:p="http://schemas.openxmlformats.org/presentationml/2006/main" showMasterSp="0" showMasterPhAnim="0">
   <p:cSld>
     <p:spTree>
@@ -6151,7 +6046,7 @@
 </p:notes>
 </file>
 
-<file path=ppt/notesSlides/notesSlide13.xml><?xml version="1.0" encoding="utf-8"?>
+<file path=ppt/notesSlides/notesSlide12.xml><?xml version="1.0" encoding="utf-8"?>
 <p:notes xmlns:a="http://schemas.openxmlformats.org/drawingml/2006/main" xmlns:r="http://schemas.openxmlformats.org/officeDocument/2006/relationships" xmlns:p="http://schemas.openxmlformats.org/presentationml/2006/main" showMasterSp="0" showMasterPhAnim="0">
   <p:cSld>
     <p:spTree>
@@ -6255,7 +6150,7 @@
 </p:notes>
 </file>
 
-<file path=ppt/notesSlides/notesSlide14.xml><?xml version="1.0" encoding="utf-8"?>
+<file path=ppt/notesSlides/notesSlide13.xml><?xml version="1.0" encoding="utf-8"?>
 <p:notes xmlns:a="http://schemas.openxmlformats.org/drawingml/2006/main" xmlns:r="http://schemas.openxmlformats.org/officeDocument/2006/relationships" xmlns:p="http://schemas.openxmlformats.org/presentationml/2006/main" showMasterSp="0" showMasterPhAnim="0">
   <p:cSld>
     <p:spTree>
@@ -6359,7 +6254,7 @@
 </p:notes>
 </file>
 
-<file path=ppt/notesSlides/notesSlide15.xml><?xml version="1.0" encoding="utf-8"?>
+<file path=ppt/notesSlides/notesSlide14.xml><?xml version="1.0" encoding="utf-8"?>
 <p:notes xmlns:a="http://schemas.openxmlformats.org/drawingml/2006/main" xmlns:r="http://schemas.openxmlformats.org/officeDocument/2006/relationships" xmlns:p="http://schemas.openxmlformats.org/presentationml/2006/main" showMasterSp="0" showMasterPhAnim="0">
   <p:cSld>
     <p:spTree>
@@ -6463,7 +6358,7 @@
 </p:notes>
 </file>
 
-<file path=ppt/notesSlides/notesSlide16.xml><?xml version="1.0" encoding="utf-8"?>
+<file path=ppt/notesSlides/notesSlide15.xml><?xml version="1.0" encoding="utf-8"?>
 <p:notes xmlns:a="http://schemas.openxmlformats.org/drawingml/2006/main" xmlns:r="http://schemas.openxmlformats.org/officeDocument/2006/relationships" xmlns:p="http://schemas.openxmlformats.org/presentationml/2006/main" showMasterSp="0" showMasterPhAnim="0">
   <p:cSld>
     <p:spTree>
@@ -6680,114 +6575,6 @@
   <p:cSld>
     <p:spTree>
       <p:nvGrpSpPr>
-        <p:cNvPr id="1" name="Shape 66"/>
-        <p:cNvGrpSpPr/>
-        <p:nvPr/>
-      </p:nvGrpSpPr>
-      <p:grpSpPr>
-        <a:xfrm>
-          <a:off x="0" y="0"/>
-          <a:ext cx="0" cy="0"/>
-          <a:chOff x="0" y="0"/>
-          <a:chExt cx="0" cy="0"/>
-        </a:xfrm>
-      </p:grpSpPr>
-      <p:sp>
-        <p:nvSpPr>
-          <p:cNvPr id="67" name="Google Shape;67;g6d8ed670a8_0_9:notes"/>
-          <p:cNvSpPr>
-            <a:spLocks noGrp="1" noRot="1" noChangeAspect="1"/>
-          </p:cNvSpPr>
-          <p:nvPr>
-            <p:ph type="sldImg" idx="2"/>
-          </p:nvPr>
-        </p:nvSpPr>
-        <p:spPr>
-          <a:xfrm>
-            <a:off x="381000" y="685800"/>
-            <a:ext cx="6096000" cy="3429000"/>
-          </a:xfrm>
-          <a:custGeom>
-            <a:avLst/>
-            <a:gdLst/>
-            <a:ahLst/>
-            <a:cxnLst/>
-            <a:rect l="l" t="t" r="r" b="b"/>
-            <a:pathLst>
-              <a:path w="120000" h="120000" extrusionOk="0">
-                <a:moveTo>
-                  <a:pt x="0" y="0"/>
-                </a:moveTo>
-                <a:lnTo>
-                  <a:pt x="120000" y="0"/>
-                </a:lnTo>
-                <a:lnTo>
-                  <a:pt x="120000" y="120000"/>
-                </a:lnTo>
-                <a:lnTo>
-                  <a:pt x="0" y="120000"/>
-                </a:lnTo>
-                <a:close/>
-              </a:path>
-            </a:pathLst>
-          </a:custGeom>
-        </p:spPr>
-      </p:sp>
-      <p:sp>
-        <p:nvSpPr>
-          <p:cNvPr id="68" name="Google Shape;68;g6d8ed670a8_0_9:notes"/>
-          <p:cNvSpPr txBox="1">
-            <a:spLocks noGrp="1"/>
-          </p:cNvSpPr>
-          <p:nvPr>
-            <p:ph type="body" idx="1"/>
-          </p:nvPr>
-        </p:nvSpPr>
-        <p:spPr>
-          <a:xfrm>
-            <a:off x="685800" y="4343400"/>
-            <a:ext cx="5486400" cy="4114800"/>
-          </a:xfrm>
-          <a:prstGeom prst="rect">
-            <a:avLst/>
-          </a:prstGeom>
-        </p:spPr>
-        <p:txBody>
-          <a:bodyPr spcFirstLastPara="1" wrap="square" lIns="91425" tIns="91425" rIns="91425" bIns="91425" anchor="t" anchorCtr="0">
-            <a:noAutofit/>
-          </a:bodyPr>
-          <a:lstStyle/>
-          <a:p>
-            <a:pPr marL="0" lvl="0" indent="0" algn="l" rtl="0">
-              <a:spcBef>
-                <a:spcPts val="0"/>
-              </a:spcBef>
-              <a:spcAft>
-                <a:spcPts val="0"/>
-              </a:spcAft>
-              <a:buNone/>
-            </a:pPr>
-            <a:r>
-              <a:rPr lang="en"/>
-              <a:t>After this, whiteboard exercise discussing the pipeline based on students’ prior experiences ~20-30 min</a:t>
-            </a:r>
-            <a:endParaRPr/>
-          </a:p>
-        </p:txBody>
-      </p:sp>
-    </p:spTree>
-  </p:cSld>
-  <p:clrMapOvr>
-    <a:masterClrMapping/>
-  </p:clrMapOvr>
-</p:notes>
-</file>
-
-<file path=ppt/notesSlides/notesSlide4.xml><?xml version="1.0" encoding="utf-8"?>
-<p:notes xmlns:a="http://schemas.openxmlformats.org/drawingml/2006/main" xmlns:r="http://schemas.openxmlformats.org/officeDocument/2006/relationships" xmlns:p="http://schemas.openxmlformats.org/presentationml/2006/main" showMasterSp="0" showMasterPhAnim="0">
-  <p:cSld>
-    <p:spTree>
-      <p:nvGrpSpPr>
         <p:cNvPr id="1" name="Shape 77"/>
         <p:cNvGrpSpPr/>
         <p:nvPr/>
@@ -6887,7 +6674,7 @@
 </p:notes>
 </file>
 
-<file path=ppt/notesSlides/notesSlide5.xml><?xml version="1.0" encoding="utf-8"?>
+<file path=ppt/notesSlides/notesSlide4.xml><?xml version="1.0" encoding="utf-8"?>
 <p:notes xmlns:a="http://schemas.openxmlformats.org/drawingml/2006/main" xmlns:r="http://schemas.openxmlformats.org/officeDocument/2006/relationships" xmlns:p="http://schemas.openxmlformats.org/presentationml/2006/main" showMasterSp="0" showMasterPhAnim="0">
   <p:cSld>
     <p:spTree>
@@ -6991,7 +6778,7 @@
 </p:notes>
 </file>
 
-<file path=ppt/notesSlides/notesSlide6.xml><?xml version="1.0" encoding="utf-8"?>
+<file path=ppt/notesSlides/notesSlide5.xml><?xml version="1.0" encoding="utf-8"?>
 <p:notes xmlns:a="http://schemas.openxmlformats.org/drawingml/2006/main" xmlns:r="http://schemas.openxmlformats.org/officeDocument/2006/relationships" xmlns:p="http://schemas.openxmlformats.org/presentationml/2006/main" showMasterSp="0" showMasterPhAnim="0">
   <p:cSld>
     <p:spTree>
@@ -7095,7 +6882,7 @@
 </p:notes>
 </file>
 
-<file path=ppt/notesSlides/notesSlide7.xml><?xml version="1.0" encoding="utf-8"?>
+<file path=ppt/notesSlides/notesSlide6.xml><?xml version="1.0" encoding="utf-8"?>
 <p:notes xmlns:a="http://schemas.openxmlformats.org/drawingml/2006/main" xmlns:r="http://schemas.openxmlformats.org/officeDocument/2006/relationships" xmlns:p="http://schemas.openxmlformats.org/presentationml/2006/main" showMasterSp="0" showMasterPhAnim="0">
   <p:cSld>
     <p:spTree>
@@ -7203,7 +6990,7 @@
 </p:notes>
 </file>
 
-<file path=ppt/notesSlides/notesSlide8.xml><?xml version="1.0" encoding="utf-8"?>
+<file path=ppt/notesSlides/notesSlide7.xml><?xml version="1.0" encoding="utf-8"?>
 <p:notes xmlns:a="http://schemas.openxmlformats.org/drawingml/2006/main" xmlns:r="http://schemas.openxmlformats.org/officeDocument/2006/relationships" xmlns:p="http://schemas.openxmlformats.org/presentationml/2006/main" showMasterSp="0" showMasterPhAnim="0">
   <p:cSld>
     <p:spTree>
@@ -7307,7 +7094,7 @@
 </p:notes>
 </file>
 
-<file path=ppt/notesSlides/notesSlide9.xml><?xml version="1.0" encoding="utf-8"?>
+<file path=ppt/notesSlides/notesSlide8.xml><?xml version="1.0" encoding="utf-8"?>
 <p:notes xmlns:a="http://schemas.openxmlformats.org/drawingml/2006/main" xmlns:r="http://schemas.openxmlformats.org/officeDocument/2006/relationships" xmlns:p="http://schemas.openxmlformats.org/presentationml/2006/main" showMasterSp="0" showMasterPhAnim="0">
   <p:cSld>
     <p:spTree>
@@ -7368,6 +7155,110 @@
       <p:sp>
         <p:nvSpPr>
           <p:cNvPr id="129" name="Google Shape;129;g6d8ed670a8_0_72:notes"/>
+          <p:cNvSpPr txBox="1">
+            <a:spLocks noGrp="1"/>
+          </p:cNvSpPr>
+          <p:nvPr>
+            <p:ph type="body" idx="1"/>
+          </p:nvPr>
+        </p:nvSpPr>
+        <p:spPr>
+          <a:xfrm>
+            <a:off x="685800" y="4343400"/>
+            <a:ext cx="5486400" cy="4114800"/>
+          </a:xfrm>
+          <a:prstGeom prst="rect">
+            <a:avLst/>
+          </a:prstGeom>
+        </p:spPr>
+        <p:txBody>
+          <a:bodyPr spcFirstLastPara="1" wrap="square" lIns="91425" tIns="91425" rIns="91425" bIns="91425" anchor="t" anchorCtr="0">
+            <a:noAutofit/>
+          </a:bodyPr>
+          <a:lstStyle/>
+          <a:p>
+            <a:pPr marL="0" lvl="0" indent="0" algn="l" rtl="0">
+              <a:spcBef>
+                <a:spcPts val="0"/>
+              </a:spcBef>
+              <a:spcAft>
+                <a:spcPts val="0"/>
+              </a:spcAft>
+              <a:buNone/>
+            </a:pPr>
+            <a:endParaRPr/>
+          </a:p>
+        </p:txBody>
+      </p:sp>
+    </p:spTree>
+  </p:cSld>
+  <p:clrMapOvr>
+    <a:masterClrMapping/>
+  </p:clrMapOvr>
+</p:notes>
+</file>
+
+<file path=ppt/notesSlides/notesSlide9.xml><?xml version="1.0" encoding="utf-8"?>
+<p:notes xmlns:a="http://schemas.openxmlformats.org/drawingml/2006/main" xmlns:r="http://schemas.openxmlformats.org/officeDocument/2006/relationships" xmlns:p="http://schemas.openxmlformats.org/presentationml/2006/main" showMasterSp="0" showMasterPhAnim="0">
+  <p:cSld>
+    <p:spTree>
+      <p:nvGrpSpPr>
+        <p:cNvPr id="1" name="Shape 135"/>
+        <p:cNvGrpSpPr/>
+        <p:nvPr/>
+      </p:nvGrpSpPr>
+      <p:grpSpPr>
+        <a:xfrm>
+          <a:off x="0" y="0"/>
+          <a:ext cx="0" cy="0"/>
+          <a:chOff x="0" y="0"/>
+          <a:chExt cx="0" cy="0"/>
+        </a:xfrm>
+      </p:grpSpPr>
+      <p:sp>
+        <p:nvSpPr>
+          <p:cNvPr id="136" name="Google Shape;136;g6d8ed670a8_0_40:notes"/>
+          <p:cNvSpPr>
+            <a:spLocks noGrp="1" noRot="1" noChangeAspect="1"/>
+          </p:cNvSpPr>
+          <p:nvPr>
+            <p:ph type="sldImg" idx="2"/>
+          </p:nvPr>
+        </p:nvSpPr>
+        <p:spPr>
+          <a:xfrm>
+            <a:off x="381000" y="685800"/>
+            <a:ext cx="6096000" cy="3429000"/>
+          </a:xfrm>
+          <a:custGeom>
+            <a:avLst/>
+            <a:gdLst/>
+            <a:ahLst/>
+            <a:cxnLst/>
+            <a:rect l="l" t="t" r="r" b="b"/>
+            <a:pathLst>
+              <a:path w="120000" h="120000" extrusionOk="0">
+                <a:moveTo>
+                  <a:pt x="0" y="0"/>
+                </a:moveTo>
+                <a:lnTo>
+                  <a:pt x="120000" y="0"/>
+                </a:lnTo>
+                <a:lnTo>
+                  <a:pt x="120000" y="120000"/>
+                </a:lnTo>
+                <a:lnTo>
+                  <a:pt x="0" y="120000"/>
+                </a:lnTo>
+                <a:close/>
+              </a:path>
+            </a:pathLst>
+          </a:custGeom>
+        </p:spPr>
+      </p:sp>
+      <p:sp>
+        <p:nvSpPr>
+          <p:cNvPr id="137" name="Google Shape;137;g6d8ed670a8_0_40:notes"/>
           <p:cNvSpPr txBox="1">
             <a:spLocks noGrp="1"/>
           </p:cNvSpPr>
@@ -12376,7 +12267,7 @@
         </p:nvSpPr>
         <p:spPr>
           <a:xfrm>
-            <a:off x="311708" y="744575"/>
+            <a:off x="311700" y="148227"/>
             <a:ext cx="8520600" cy="2052600"/>
           </a:xfrm>
           <a:prstGeom prst="rect">
@@ -12399,26 +12290,10 @@
               <a:buNone/>
             </a:pPr>
             <a:r>
-              <a:rPr lang="en" sz="4400"/>
-              <a:t>Machine Learning for Public Policy Lab </a:t>
+              <a:rPr lang="en" sz="4400" dirty="0"/>
+              <a:t>Machine Learning for Public Policy Lab</a:t>
             </a:r>
-            <a:r>
-              <a:rPr lang="en" sz="3200"/>
-              <a:t>(aka Data Analysis Class)</a:t>
-            </a:r>
-            <a:endParaRPr sz="3200"/>
-          </a:p>
-          <a:p>
-            <a:pPr marL="0" lvl="0" indent="0" algn="l" rtl="0">
-              <a:spcBef>
-                <a:spcPts val="0"/>
-              </a:spcBef>
-              <a:spcAft>
-                <a:spcPts val="0"/>
-              </a:spcAft>
-              <a:buNone/>
-            </a:pPr>
-            <a:endParaRPr sz="3200"/>
+            <a:endParaRPr sz="3200" dirty="0"/>
           </a:p>
         </p:txBody>
       </p:sp>
@@ -12505,133 +12380,6 @@
   <p:cSld>
     <p:spTree>
       <p:nvGrpSpPr>
-        <p:cNvPr id="1" name="Shape 130"/>
-        <p:cNvGrpSpPr/>
-        <p:nvPr/>
-      </p:nvGrpSpPr>
-      <p:grpSpPr>
-        <a:xfrm>
-          <a:off x="0" y="0"/>
-          <a:ext cx="0" cy="0"/>
-          <a:chOff x="0" y="0"/>
-          <a:chExt cx="0" cy="0"/>
-        </a:xfrm>
-      </p:grpSpPr>
-      <p:sp>
-        <p:nvSpPr>
-          <p:cNvPr id="131" name="Google Shape;131;p22"/>
-          <p:cNvSpPr txBox="1">
-            <a:spLocks noGrp="1"/>
-          </p:cNvSpPr>
-          <p:nvPr>
-            <p:ph type="title"/>
-          </p:nvPr>
-        </p:nvSpPr>
-        <p:spPr>
-          <a:xfrm>
-            <a:off x="311700" y="445025"/>
-            <a:ext cx="8520600" cy="572700"/>
-          </a:xfrm>
-          <a:prstGeom prst="rect">
-            <a:avLst/>
-          </a:prstGeom>
-        </p:spPr>
-        <p:txBody>
-          <a:bodyPr spcFirstLastPara="1" wrap="square" lIns="91425" tIns="91425" rIns="91425" bIns="91425" anchor="t" anchorCtr="0">
-            <a:noAutofit/>
-          </a:bodyPr>
-          <a:lstStyle/>
-          <a:p>
-            <a:pPr marL="0" lvl="0" indent="0" algn="l" rtl="0">
-              <a:spcBef>
-                <a:spcPts val="0"/>
-              </a:spcBef>
-              <a:spcAft>
-                <a:spcPts val="0"/>
-              </a:spcAft>
-              <a:buNone/>
-            </a:pPr>
-            <a:r>
-              <a:rPr lang="en"/>
-              <a:t>Class Schedule</a:t>
-            </a:r>
-            <a:endParaRPr/>
-          </a:p>
-        </p:txBody>
-      </p:sp>
-      <p:pic>
-        <p:nvPicPr>
-          <p:cNvPr id="2" name="Picture 1">
-            <a:extLst>
-              <a:ext uri="{FF2B5EF4-FFF2-40B4-BE49-F238E27FC236}">
-                <a16:creationId xmlns:a16="http://schemas.microsoft.com/office/drawing/2014/main" id="{ED646594-2817-9444-B1A8-2B2E5060E6E5}"/>
-              </a:ext>
-            </a:extLst>
-          </p:cNvPr>
-          <p:cNvPicPr>
-            <a:picLocks noChangeAspect="1"/>
-          </p:cNvPicPr>
-          <p:nvPr/>
-        </p:nvPicPr>
-        <p:blipFill>
-          <a:blip r:embed="rId3"/>
-          <a:stretch>
-            <a:fillRect/>
-          </a:stretch>
-        </p:blipFill>
-        <p:spPr>
-          <a:xfrm>
-            <a:off x="580445" y="1303572"/>
-            <a:ext cx="7402664" cy="3839928"/>
-          </a:xfrm>
-          <a:prstGeom prst="rect">
-            <a:avLst/>
-          </a:prstGeom>
-        </p:spPr>
-      </p:pic>
-      <p:pic>
-        <p:nvPicPr>
-          <p:cNvPr id="3" name="Picture 2">
-            <a:extLst>
-              <a:ext uri="{FF2B5EF4-FFF2-40B4-BE49-F238E27FC236}">
-                <a16:creationId xmlns:a16="http://schemas.microsoft.com/office/drawing/2014/main" id="{98795124-57DE-974F-AB1F-53FF30A28740}"/>
-              </a:ext>
-            </a:extLst>
-          </p:cNvPr>
-          <p:cNvPicPr>
-            <a:picLocks noChangeAspect="1"/>
-          </p:cNvPicPr>
-          <p:nvPr/>
-        </p:nvPicPr>
-        <p:blipFill>
-          <a:blip r:embed="rId4"/>
-          <a:stretch>
-            <a:fillRect/>
-          </a:stretch>
-        </p:blipFill>
-        <p:spPr>
-          <a:xfrm>
-            <a:off x="557997" y="1209100"/>
-            <a:ext cx="7435745" cy="196324"/>
-          </a:xfrm>
-          <a:prstGeom prst="rect">
-            <a:avLst/>
-          </a:prstGeom>
-        </p:spPr>
-      </p:pic>
-    </p:spTree>
-  </p:cSld>
-  <p:clrMapOvr>
-    <a:masterClrMapping/>
-  </p:clrMapOvr>
-</p:sld>
-</file>
-
-<file path=ppt/slides/slide11.xml><?xml version="1.0" encoding="utf-8"?>
-<p:sld xmlns:a="http://schemas.openxmlformats.org/drawingml/2006/main" xmlns:r="http://schemas.openxmlformats.org/officeDocument/2006/relationships" xmlns:p="http://schemas.openxmlformats.org/presentationml/2006/main">
-  <p:cSld>
-    <p:spTree>
-      <p:nvGrpSpPr>
         <p:cNvPr id="1" name="Shape 138"/>
         <p:cNvGrpSpPr/>
         <p:nvPr/>
@@ -12923,7 +12671,7 @@
 </p:sld>
 </file>
 
-<file path=ppt/slides/slide12.xml><?xml version="1.0" encoding="utf-8"?>
+<file path=ppt/slides/slide11.xml><?xml version="1.0" encoding="utf-8"?>
 <p:sld xmlns:a="http://schemas.openxmlformats.org/drawingml/2006/main" xmlns:r="http://schemas.openxmlformats.org/officeDocument/2006/relationships" xmlns:p="http://schemas.openxmlformats.org/presentationml/2006/main">
   <p:cSld>
     <p:spTree>
@@ -13222,23 +12970,7 @@
                   <a:schemeClr val="dk1"/>
                 </a:solidFill>
               </a:rPr>
-              <a:t>TAs: Amartya </a:t>
-            </a:r>
-            <a:r>
-              <a:rPr lang="en-US" sz="1600" dirty="0" err="1">
-                <a:solidFill>
-                  <a:schemeClr val="dk1"/>
-                </a:solidFill>
-              </a:rPr>
-              <a:t>Basu</a:t>
-            </a:r>
-            <a:r>
-              <a:rPr lang="en-US" sz="1600" dirty="0">
-                <a:solidFill>
-                  <a:schemeClr val="dk1"/>
-                </a:solidFill>
-              </a:rPr>
-              <a:t>, Aaron Dunmore</a:t>
+              <a:t>TAs:</a:t>
             </a:r>
             <a:endParaRPr sz="1600" dirty="0">
               <a:solidFill>
@@ -13268,7 +13000,7 @@
 </p:sld>
 </file>
 
-<file path=ppt/slides/slide13.xml><?xml version="1.0" encoding="utf-8"?>
+<file path=ppt/slides/slide12.xml><?xml version="1.0" encoding="utf-8"?>
 <p:sld xmlns:a="http://schemas.openxmlformats.org/drawingml/2006/main" xmlns:r="http://schemas.openxmlformats.org/officeDocument/2006/relationships" xmlns:p="http://schemas.openxmlformats.org/presentationml/2006/main">
   <p:cSld>
     <p:spTree>
@@ -13430,7 +13162,7 @@
             </a:pPr>
             <a:r>
               <a:rPr lang="en" dirty="0"/>
-              <a:t>We’ll make 4-person teams at the end of this week to balance your preferences, time constraints, experience, and background</a:t>
+              <a:t>We’ll make 3-4 person teams at the end of this week to balance your preferences, experience, and background</a:t>
             </a:r>
             <a:br>
               <a:rPr lang="en" dirty="0"/>
@@ -13493,7 +13225,7 @@
 </p:sld>
 </file>
 
-<file path=ppt/slides/slide14.xml><?xml version="1.0" encoding="utf-8"?>
+<file path=ppt/slides/slide13.xml><?xml version="1.0" encoding="utf-8"?>
 <p:sld xmlns:a="http://schemas.openxmlformats.org/drawingml/2006/main" xmlns:r="http://schemas.openxmlformats.org/officeDocument/2006/relationships" xmlns:p="http://schemas.openxmlformats.org/presentationml/2006/main">
   <p:cSld>
     <p:spTree>
@@ -13740,7 +13472,7 @@
 </p:sld>
 </file>
 
-<file path=ppt/slides/slide15.xml><?xml version="1.0" encoding="utf-8"?>
+<file path=ppt/slides/slide14.xml><?xml version="1.0" encoding="utf-8"?>
 <p:sld xmlns:a="http://schemas.openxmlformats.org/drawingml/2006/main" xmlns:r="http://schemas.openxmlformats.org/officeDocument/2006/relationships" xmlns:p="http://schemas.openxmlformats.org/presentationml/2006/main">
   <p:cSld>
     <p:spTree>
@@ -13982,7 +13714,7 @@
                   <a:srgbClr val="FF0000"/>
                 </a:solidFill>
               </a:rPr>
-              <a:t>Return the signed data confidentiality form by end of the week</a:t>
+              <a:t>Return the signed data confidentiality form</a:t>
             </a:r>
             <a:endParaRPr b="1" dirty="0">
               <a:solidFill>
@@ -14012,7 +13744,7 @@
 </p:sld>
 </file>
 
-<file path=ppt/slides/slide16.xml><?xml version="1.0" encoding="utf-8"?>
+<file path=ppt/slides/slide15.xml><?xml version="1.0" encoding="utf-8"?>
 <p:sld xmlns:a="http://schemas.openxmlformats.org/drawingml/2006/main" xmlns:r="http://schemas.openxmlformats.org/officeDocument/2006/relationships" xmlns:p="http://schemas.openxmlformats.org/presentationml/2006/main">
   <p:cSld>
     <p:spTree>
@@ -14084,7 +13816,7 @@
         <p:spPr>
           <a:xfrm>
             <a:off x="-140500" y="1219025"/>
-            <a:ext cx="6728100" cy="3416400"/>
+            <a:ext cx="6843450" cy="3416400"/>
           </a:xfrm>
           <a:prstGeom prst="rect">
             <a:avLst/>
@@ -14130,6 +13862,14 @@
             <a:r>
               <a:rPr lang="en" dirty="0"/>
               <a:t> (to connect to the server) </a:t>
+            </a:r>
+            <a:r>
+              <a:rPr lang="en" b="1" dirty="0" err="1"/>
+              <a:t>server</a:t>
+            </a:r>
+            <a:r>
+              <a:rPr lang="en" dirty="0" err="1"/>
+              <a:t>.</a:t>
             </a:r>
             <a:r>
               <a:rPr lang="en" b="1" dirty="0" err="1"/>
@@ -14166,7 +13906,7 @@
             </a:r>
             <a:r>
               <a:rPr lang="en" b="1" dirty="0" err="1"/>
-              <a:t>mlpolicylab.db.dssg.io</a:t>
+              <a:t>database.mlpolicylab.dssg.io</a:t>
             </a:r>
             <a:endParaRPr b="1" dirty="0"/>
           </a:p>
@@ -14404,7 +14144,7 @@
 </p:sld>
 </file>
 
-<file path=ppt/slides/slide17.xml><?xml version="1.0" encoding="utf-8"?>
+<file path=ppt/slides/slide16.xml><?xml version="1.0" encoding="utf-8"?>
 <p:sld xmlns:a="http://schemas.openxmlformats.org/drawingml/2006/main" xmlns:r="http://schemas.openxmlformats.org/officeDocument/2006/relationships" xmlns:p="http://schemas.openxmlformats.org/presentationml/2006/main">
   <p:cSld>
     <p:spTree>
@@ -14796,150 +14536,6 @@
   <p:cSld>
     <p:spTree>
       <p:nvGrpSpPr>
-        <p:cNvPr id="1" name="Shape 69"/>
-        <p:cNvGrpSpPr/>
-        <p:nvPr/>
-      </p:nvGrpSpPr>
-      <p:grpSpPr>
-        <a:xfrm>
-          <a:off x="0" y="0"/>
-          <a:ext cx="0" cy="0"/>
-          <a:chOff x="0" y="0"/>
-          <a:chExt cx="0" cy="0"/>
-        </a:xfrm>
-      </p:grpSpPr>
-      <p:sp>
-        <p:nvSpPr>
-          <p:cNvPr id="70" name="Google Shape;70;p15"/>
-          <p:cNvSpPr txBox="1">
-            <a:spLocks noGrp="1"/>
-          </p:cNvSpPr>
-          <p:nvPr>
-            <p:ph type="title"/>
-          </p:nvPr>
-        </p:nvSpPr>
-        <p:spPr>
-          <a:xfrm>
-            <a:off x="311700" y="445025"/>
-            <a:ext cx="8520600" cy="572700"/>
-          </a:xfrm>
-          <a:prstGeom prst="rect">
-            <a:avLst/>
-          </a:prstGeom>
-        </p:spPr>
-        <p:txBody>
-          <a:bodyPr spcFirstLastPara="1" wrap="square" lIns="91425" tIns="91425" rIns="91425" bIns="91425" anchor="t" anchorCtr="0">
-            <a:noAutofit/>
-          </a:bodyPr>
-          <a:lstStyle/>
-          <a:p>
-            <a:pPr marL="0" lvl="0" indent="0" algn="l" rtl="0">
-              <a:spcBef>
-                <a:spcPts val="0"/>
-              </a:spcBef>
-              <a:spcAft>
-                <a:spcPts val="0"/>
-              </a:spcAft>
-              <a:buNone/>
-            </a:pPr>
-            <a:r>
-              <a:rPr lang="en"/>
-              <a:t>Who is in this class?</a:t>
-            </a:r>
-            <a:endParaRPr/>
-          </a:p>
-        </p:txBody>
-      </p:sp>
-      <p:sp>
-        <p:nvSpPr>
-          <p:cNvPr id="71" name="Google Shape;71;p15"/>
-          <p:cNvSpPr txBox="1">
-            <a:spLocks noGrp="1"/>
-          </p:cNvSpPr>
-          <p:nvPr>
-            <p:ph type="body" idx="1"/>
-          </p:nvPr>
-        </p:nvSpPr>
-        <p:spPr>
-          <a:xfrm>
-            <a:off x="311700" y="1152475"/>
-            <a:ext cx="8520600" cy="3416400"/>
-          </a:xfrm>
-          <a:prstGeom prst="rect">
-            <a:avLst/>
-          </a:prstGeom>
-        </p:spPr>
-        <p:txBody>
-          <a:bodyPr spcFirstLastPara="1" wrap="square" lIns="91425" tIns="91425" rIns="91425" bIns="91425" anchor="t" anchorCtr="0">
-            <a:noAutofit/>
-          </a:bodyPr>
-          <a:lstStyle/>
-          <a:p>
-            <a:pPr marL="457200" lvl="0" indent="-342900" algn="l" rtl="0">
-              <a:spcBef>
-                <a:spcPts val="0"/>
-              </a:spcBef>
-              <a:spcAft>
-                <a:spcPts val="0"/>
-              </a:spcAft>
-              <a:buSzPts val="1800"/>
-              <a:buChar char="●"/>
-            </a:pPr>
-            <a:r>
-              <a:rPr lang="en"/>
-              <a:t>MLD Students (PhD and Masters - required class)</a:t>
-            </a:r>
-            <a:endParaRPr/>
-          </a:p>
-          <a:p>
-            <a:pPr marL="457200" lvl="0" indent="-342900" algn="l" rtl="0">
-              <a:spcBef>
-                <a:spcPts val="0"/>
-              </a:spcBef>
-              <a:spcAft>
-                <a:spcPts val="0"/>
-              </a:spcAft>
-              <a:buSzPts val="1800"/>
-              <a:buChar char="●"/>
-            </a:pPr>
-            <a:r>
-              <a:rPr lang="en"/>
-              <a:t>Heinz Students</a:t>
-            </a:r>
-            <a:endParaRPr/>
-          </a:p>
-          <a:p>
-            <a:pPr marL="457200" lvl="0" indent="-342900" algn="l" rtl="0">
-              <a:spcBef>
-                <a:spcPts val="0"/>
-              </a:spcBef>
-              <a:spcAft>
-                <a:spcPts val="0"/>
-              </a:spcAft>
-              <a:buSzPts val="1800"/>
-              <a:buChar char="●"/>
-            </a:pPr>
-            <a:r>
-              <a:rPr lang="en"/>
-              <a:t>Others?</a:t>
-            </a:r>
-            <a:endParaRPr/>
-          </a:p>
-        </p:txBody>
-      </p:sp>
-    </p:spTree>
-  </p:cSld>
-  <p:clrMapOvr>
-    <a:masterClrMapping/>
-  </p:clrMapOvr>
-</p:sld>
-</file>
-
-<file path=ppt/slides/slide4.xml><?xml version="1.0" encoding="utf-8"?>
-<p:sld xmlns:a="http://schemas.openxmlformats.org/drawingml/2006/main" xmlns:r="http://schemas.openxmlformats.org/officeDocument/2006/relationships" xmlns:p="http://schemas.openxmlformats.org/presentationml/2006/main">
-  <p:cSld>
-    <p:spTree>
-      <p:nvGrpSpPr>
         <p:cNvPr id="1" name="Shape 80"/>
         <p:cNvGrpSpPr/>
         <p:nvPr/>
@@ -15146,7 +14742,7 @@
 </p:sld>
 </file>
 
-<file path=ppt/slides/slide5.xml><?xml version="1.0" encoding="utf-8"?>
+<file path=ppt/slides/slide4.xml><?xml version="1.0" encoding="utf-8"?>
 <p:sld xmlns:a="http://schemas.openxmlformats.org/drawingml/2006/main" xmlns:r="http://schemas.openxmlformats.org/officeDocument/2006/relationships" xmlns:p="http://schemas.openxmlformats.org/presentationml/2006/main">
   <p:cSld>
     <p:spTree>
@@ -15280,7 +14876,7 @@
 </p:sld>
 </file>
 
-<file path=ppt/slides/slide6.xml><?xml version="1.0" encoding="utf-8"?>
+<file path=ppt/slides/slide5.xml><?xml version="1.0" encoding="utf-8"?>
 <p:sld xmlns:a="http://schemas.openxmlformats.org/drawingml/2006/main" xmlns:r="http://schemas.openxmlformats.org/officeDocument/2006/relationships" xmlns:p="http://schemas.openxmlformats.org/presentationml/2006/main">
   <p:cSld>
     <p:spTree>
@@ -15729,7 +15325,7 @@
 </p:sld>
 </file>
 
-<file path=ppt/slides/slide7.xml><?xml version="1.0" encoding="utf-8"?>
+<file path=ppt/slides/slide6.xml><?xml version="1.0" encoding="utf-8"?>
 <p:sld xmlns:a="http://schemas.openxmlformats.org/drawingml/2006/main" xmlns:r="http://schemas.openxmlformats.org/officeDocument/2006/relationships" xmlns:p="http://schemas.openxmlformats.org/presentationml/2006/main">
   <p:cSld>
     <p:spTree>
@@ -16679,7 +16275,7 @@
 </p:sld>
 </file>
 
-<file path=ppt/slides/slide8.xml><?xml version="1.0" encoding="utf-8"?>
+<file path=ppt/slides/slide7.xml><?xml version="1.0" encoding="utf-8"?>
 <p:sld xmlns:a="http://schemas.openxmlformats.org/drawingml/2006/main" xmlns:r="http://schemas.openxmlformats.org/officeDocument/2006/relationships" xmlns:p="http://schemas.openxmlformats.org/presentationml/2006/main">
   <p:cSld>
     <p:spTree>
@@ -16813,7 +16409,7 @@
 </p:sld>
 </file>
 
-<file path=ppt/slides/slide9.xml><?xml version="1.0" encoding="utf-8"?>
+<file path=ppt/slides/slide8.xml><?xml version="1.0" encoding="utf-8"?>
 <p:sld xmlns:a="http://schemas.openxmlformats.org/drawingml/2006/main" xmlns:r="http://schemas.openxmlformats.org/officeDocument/2006/relationships" xmlns:p="http://schemas.openxmlformats.org/presentationml/2006/main">
   <p:cSld>
     <p:spTree>
@@ -16896,6 +16492,133 @@
           <a:xfrm>
             <a:off x="1107657" y="1081191"/>
             <a:ext cx="6912784" cy="4062309"/>
+          </a:xfrm>
+          <a:prstGeom prst="rect">
+            <a:avLst/>
+          </a:prstGeom>
+        </p:spPr>
+      </p:pic>
+    </p:spTree>
+  </p:cSld>
+  <p:clrMapOvr>
+    <a:masterClrMapping/>
+  </p:clrMapOvr>
+</p:sld>
+</file>
+
+<file path=ppt/slides/slide9.xml><?xml version="1.0" encoding="utf-8"?>
+<p:sld xmlns:a="http://schemas.openxmlformats.org/drawingml/2006/main" xmlns:r="http://schemas.openxmlformats.org/officeDocument/2006/relationships" xmlns:p="http://schemas.openxmlformats.org/presentationml/2006/main">
+  <p:cSld>
+    <p:spTree>
+      <p:nvGrpSpPr>
+        <p:cNvPr id="1" name="Shape 130"/>
+        <p:cNvGrpSpPr/>
+        <p:nvPr/>
+      </p:nvGrpSpPr>
+      <p:grpSpPr>
+        <a:xfrm>
+          <a:off x="0" y="0"/>
+          <a:ext cx="0" cy="0"/>
+          <a:chOff x="0" y="0"/>
+          <a:chExt cx="0" cy="0"/>
+        </a:xfrm>
+      </p:grpSpPr>
+      <p:sp>
+        <p:nvSpPr>
+          <p:cNvPr id="131" name="Google Shape;131;p22"/>
+          <p:cNvSpPr txBox="1">
+            <a:spLocks noGrp="1"/>
+          </p:cNvSpPr>
+          <p:nvPr>
+            <p:ph type="title"/>
+          </p:nvPr>
+        </p:nvSpPr>
+        <p:spPr>
+          <a:xfrm>
+            <a:off x="311700" y="445025"/>
+            <a:ext cx="8520600" cy="572700"/>
+          </a:xfrm>
+          <a:prstGeom prst="rect">
+            <a:avLst/>
+          </a:prstGeom>
+        </p:spPr>
+        <p:txBody>
+          <a:bodyPr spcFirstLastPara="1" wrap="square" lIns="91425" tIns="91425" rIns="91425" bIns="91425" anchor="t" anchorCtr="0">
+            <a:noAutofit/>
+          </a:bodyPr>
+          <a:lstStyle/>
+          <a:p>
+            <a:pPr marL="0" lvl="0" indent="0" algn="l" rtl="0">
+              <a:spcBef>
+                <a:spcPts val="0"/>
+              </a:spcBef>
+              <a:spcAft>
+                <a:spcPts val="0"/>
+              </a:spcAft>
+              <a:buNone/>
+            </a:pPr>
+            <a:r>
+              <a:rPr lang="en"/>
+              <a:t>Class Schedule</a:t>
+            </a:r>
+            <a:endParaRPr/>
+          </a:p>
+        </p:txBody>
+      </p:sp>
+      <p:pic>
+        <p:nvPicPr>
+          <p:cNvPr id="2" name="Picture 1">
+            <a:extLst>
+              <a:ext uri="{FF2B5EF4-FFF2-40B4-BE49-F238E27FC236}">
+                <a16:creationId xmlns:a16="http://schemas.microsoft.com/office/drawing/2014/main" id="{ED646594-2817-9444-B1A8-2B2E5060E6E5}"/>
+              </a:ext>
+            </a:extLst>
+          </p:cNvPr>
+          <p:cNvPicPr>
+            <a:picLocks noChangeAspect="1"/>
+          </p:cNvPicPr>
+          <p:nvPr/>
+        </p:nvPicPr>
+        <p:blipFill>
+          <a:blip r:embed="rId3"/>
+          <a:stretch>
+            <a:fillRect/>
+          </a:stretch>
+        </p:blipFill>
+        <p:spPr>
+          <a:xfrm>
+            <a:off x="580445" y="1303572"/>
+            <a:ext cx="7402664" cy="3839928"/>
+          </a:xfrm>
+          <a:prstGeom prst="rect">
+            <a:avLst/>
+          </a:prstGeom>
+        </p:spPr>
+      </p:pic>
+      <p:pic>
+        <p:nvPicPr>
+          <p:cNvPr id="3" name="Picture 2">
+            <a:extLst>
+              <a:ext uri="{FF2B5EF4-FFF2-40B4-BE49-F238E27FC236}">
+                <a16:creationId xmlns:a16="http://schemas.microsoft.com/office/drawing/2014/main" id="{98795124-57DE-974F-AB1F-53FF30A28740}"/>
+              </a:ext>
+            </a:extLst>
+          </p:cNvPr>
+          <p:cNvPicPr>
+            <a:picLocks noChangeAspect="1"/>
+          </p:cNvPicPr>
+          <p:nvPr/>
+        </p:nvPicPr>
+        <p:blipFill>
+          <a:blip r:embed="rId4"/>
+          <a:stretch>
+            <a:fillRect/>
+          </a:stretch>
+        </p:blipFill>
+        <p:spPr>
+          <a:xfrm>
+            <a:off x="557997" y="1209100"/>
+            <a:ext cx="7435745" cy="196324"/>
           </a:xfrm>
           <a:prstGeom prst="rect">
             <a:avLst/>

--- a/01 - Intro and Scoping/ClassOverview.pptx
+++ b/01 - Intro and Scoping/ClassOverview.pptx
@@ -5,7 +5,7 @@
     <p:sldMasterId id="2147483659" r:id="rId1"/>
   </p:sldMasterIdLst>
   <p:notesMasterIdLst>
-    <p:notesMasterId r:id="rId18"/>
+    <p:notesMasterId r:id="rId19"/>
   </p:notesMasterIdLst>
   <p:sldIdLst>
     <p:sldId id="256" r:id="rId2"/>
@@ -18,22 +18,23 @@
     <p:sldId id="264" r:id="rId9"/>
     <p:sldId id="265" r:id="rId10"/>
     <p:sldId id="266" r:id="rId11"/>
-    <p:sldId id="267" r:id="rId12"/>
-    <p:sldId id="269" r:id="rId13"/>
-    <p:sldId id="270" r:id="rId14"/>
-    <p:sldId id="271" r:id="rId15"/>
-    <p:sldId id="272" r:id="rId16"/>
-    <p:sldId id="273" r:id="rId17"/>
+    <p:sldId id="296" r:id="rId12"/>
+    <p:sldId id="267" r:id="rId13"/>
+    <p:sldId id="269" r:id="rId14"/>
+    <p:sldId id="270" r:id="rId15"/>
+    <p:sldId id="271" r:id="rId16"/>
+    <p:sldId id="272" r:id="rId17"/>
+    <p:sldId id="273" r:id="rId18"/>
   </p:sldIdLst>
   <p:sldSz cx="9144000" cy="5143500" type="screen16x9"/>
   <p:notesSz cx="6858000" cy="9144000"/>
   <p:embeddedFontLst>
     <p:embeddedFont>
       <p:font typeface="Lato" panose="020F0502020204030203" pitchFamily="34" charset="77"/>
-      <p:regular r:id="rId19"/>
-      <p:bold r:id="rId20"/>
-      <p:italic r:id="rId21"/>
-      <p:boldItalic r:id="rId22"/>
+      <p:regular r:id="rId20"/>
+      <p:bold r:id="rId21"/>
+      <p:italic r:id="rId22"/>
+      <p:boldItalic r:id="rId23"/>
     </p:embeddedFont>
   </p:embeddedFontLst>
   <p:defaultTextStyle>
@@ -5839,6 +5840,115 @@
   <p:cSld>
     <p:spTree>
       <p:nvGrpSpPr>
+        <p:cNvPr id="1" name="Shape 135"/>
+        <p:cNvGrpSpPr/>
+        <p:nvPr/>
+      </p:nvGrpSpPr>
+      <p:grpSpPr>
+        <a:xfrm>
+          <a:off x="0" y="0"/>
+          <a:ext cx="0" cy="0"/>
+          <a:chOff x="0" y="0"/>
+          <a:chExt cx="0" cy="0"/>
+        </a:xfrm>
+      </p:grpSpPr>
+      <p:sp>
+        <p:nvSpPr>
+          <p:cNvPr id="136" name="Google Shape;136;g6d8ed670a8_0_40:notes"/>
+          <p:cNvSpPr>
+            <a:spLocks noGrp="1" noRot="1" noChangeAspect="1"/>
+          </p:cNvSpPr>
+          <p:nvPr>
+            <p:ph type="sldImg" idx="2"/>
+          </p:nvPr>
+        </p:nvSpPr>
+        <p:spPr>
+          <a:xfrm>
+            <a:off x="381000" y="685800"/>
+            <a:ext cx="6096000" cy="3429000"/>
+          </a:xfrm>
+          <a:custGeom>
+            <a:avLst/>
+            <a:gdLst/>
+            <a:ahLst/>
+            <a:cxnLst/>
+            <a:rect l="l" t="t" r="r" b="b"/>
+            <a:pathLst>
+              <a:path w="120000" h="120000" extrusionOk="0">
+                <a:moveTo>
+                  <a:pt x="0" y="0"/>
+                </a:moveTo>
+                <a:lnTo>
+                  <a:pt x="120000" y="0"/>
+                </a:lnTo>
+                <a:lnTo>
+                  <a:pt x="120000" y="120000"/>
+                </a:lnTo>
+                <a:lnTo>
+                  <a:pt x="0" y="120000"/>
+                </a:lnTo>
+                <a:close/>
+              </a:path>
+            </a:pathLst>
+          </a:custGeom>
+        </p:spPr>
+      </p:sp>
+      <p:sp>
+        <p:nvSpPr>
+          <p:cNvPr id="137" name="Google Shape;137;g6d8ed670a8_0_40:notes"/>
+          <p:cNvSpPr txBox="1">
+            <a:spLocks noGrp="1"/>
+          </p:cNvSpPr>
+          <p:nvPr>
+            <p:ph type="body" idx="1"/>
+          </p:nvPr>
+        </p:nvSpPr>
+        <p:spPr>
+          <a:xfrm>
+            <a:off x="685800" y="4343400"/>
+            <a:ext cx="5486400" cy="4114800"/>
+          </a:xfrm>
+          <a:prstGeom prst="rect">
+            <a:avLst/>
+          </a:prstGeom>
+        </p:spPr>
+        <p:txBody>
+          <a:bodyPr spcFirstLastPara="1" wrap="square" lIns="91425" tIns="91425" rIns="91425" bIns="91425" anchor="t" anchorCtr="0">
+            <a:noAutofit/>
+          </a:bodyPr>
+          <a:lstStyle/>
+          <a:p>
+            <a:pPr marL="0" lvl="0" indent="0" algn="l" rtl="0">
+              <a:spcBef>
+                <a:spcPts val="0"/>
+              </a:spcBef>
+              <a:spcAft>
+                <a:spcPts val="0"/>
+              </a:spcAft>
+              <a:buNone/>
+            </a:pPr>
+            <a:endParaRPr/>
+          </a:p>
+        </p:txBody>
+      </p:sp>
+    </p:spTree>
+    <p:extLst>
+      <p:ext uri="{BB962C8B-B14F-4D97-AF65-F5344CB8AC3E}">
+        <p14:creationId xmlns:p14="http://schemas.microsoft.com/office/powerpoint/2010/main" val="1290639550"/>
+      </p:ext>
+    </p:extLst>
+  </p:cSld>
+  <p:clrMapOvr>
+    <a:masterClrMapping/>
+  </p:clrMapOvr>
+</p:notes>
+</file>
+
+<file path=ppt/notesSlides/notesSlide11.xml><?xml version="1.0" encoding="utf-8"?>
+<p:notes xmlns:a="http://schemas.openxmlformats.org/drawingml/2006/main" xmlns:r="http://schemas.openxmlformats.org/officeDocument/2006/relationships" xmlns:p="http://schemas.openxmlformats.org/presentationml/2006/main" showMasterSp="0" showMasterPhAnim="0">
+  <p:cSld>
+    <p:spTree>
+      <p:nvGrpSpPr>
         <p:cNvPr id="1" name="Shape 141"/>
         <p:cNvGrpSpPr/>
         <p:nvPr/>
@@ -5938,7 +6048,7 @@
 </p:notes>
 </file>
 
-<file path=ppt/notesSlides/notesSlide11.xml><?xml version="1.0" encoding="utf-8"?>
+<file path=ppt/notesSlides/notesSlide12.xml><?xml version="1.0" encoding="utf-8"?>
 <p:notes xmlns:a="http://schemas.openxmlformats.org/drawingml/2006/main" xmlns:r="http://schemas.openxmlformats.org/officeDocument/2006/relationships" xmlns:p="http://schemas.openxmlformats.org/presentationml/2006/main" showMasterSp="0" showMasterPhAnim="0">
   <p:cSld>
     <p:spTree>
@@ -6046,7 +6156,7 @@
 </p:notes>
 </file>
 
-<file path=ppt/notesSlides/notesSlide12.xml><?xml version="1.0" encoding="utf-8"?>
+<file path=ppt/notesSlides/notesSlide13.xml><?xml version="1.0" encoding="utf-8"?>
 <p:notes xmlns:a="http://schemas.openxmlformats.org/drawingml/2006/main" xmlns:r="http://schemas.openxmlformats.org/officeDocument/2006/relationships" xmlns:p="http://schemas.openxmlformats.org/presentationml/2006/main" showMasterSp="0" showMasterPhAnim="0">
   <p:cSld>
     <p:spTree>
@@ -6150,7 +6260,7 @@
 </p:notes>
 </file>
 
-<file path=ppt/notesSlides/notesSlide13.xml><?xml version="1.0" encoding="utf-8"?>
+<file path=ppt/notesSlides/notesSlide14.xml><?xml version="1.0" encoding="utf-8"?>
 <p:notes xmlns:a="http://schemas.openxmlformats.org/drawingml/2006/main" xmlns:r="http://schemas.openxmlformats.org/officeDocument/2006/relationships" xmlns:p="http://schemas.openxmlformats.org/presentationml/2006/main" showMasterSp="0" showMasterPhAnim="0">
   <p:cSld>
     <p:spTree>
@@ -6254,7 +6364,7 @@
 </p:notes>
 </file>
 
-<file path=ppt/notesSlides/notesSlide14.xml><?xml version="1.0" encoding="utf-8"?>
+<file path=ppt/notesSlides/notesSlide15.xml><?xml version="1.0" encoding="utf-8"?>
 <p:notes xmlns:a="http://schemas.openxmlformats.org/drawingml/2006/main" xmlns:r="http://schemas.openxmlformats.org/officeDocument/2006/relationships" xmlns:p="http://schemas.openxmlformats.org/presentationml/2006/main" showMasterSp="0" showMasterPhAnim="0">
   <p:cSld>
     <p:spTree>
@@ -6358,7 +6468,7 @@
 </p:notes>
 </file>
 
-<file path=ppt/notesSlides/notesSlide15.xml><?xml version="1.0" encoding="utf-8"?>
+<file path=ppt/notesSlides/notesSlide16.xml><?xml version="1.0" encoding="utf-8"?>
 <p:notes xmlns:a="http://schemas.openxmlformats.org/drawingml/2006/main" xmlns:r="http://schemas.openxmlformats.org/officeDocument/2006/relationships" xmlns:p="http://schemas.openxmlformats.org/presentationml/2006/main" showMasterSp="0" showMasterPhAnim="0">
   <p:cSld>
     <p:spTree>
@@ -12676,6 +12786,316 @@
   <p:cSld>
     <p:spTree>
       <p:nvGrpSpPr>
+        <p:cNvPr id="1" name="Shape 138"/>
+        <p:cNvGrpSpPr/>
+        <p:nvPr/>
+      </p:nvGrpSpPr>
+      <p:grpSpPr>
+        <a:xfrm>
+          <a:off x="0" y="0"/>
+          <a:ext cx="0" cy="0"/>
+          <a:chOff x="0" y="0"/>
+          <a:chExt cx="0" cy="0"/>
+        </a:xfrm>
+      </p:grpSpPr>
+      <p:sp>
+        <p:nvSpPr>
+          <p:cNvPr id="139" name="Google Shape;139;p23"/>
+          <p:cNvSpPr txBox="1">
+            <a:spLocks noGrp="1"/>
+          </p:cNvSpPr>
+          <p:nvPr>
+            <p:ph type="title"/>
+          </p:nvPr>
+        </p:nvSpPr>
+        <p:spPr>
+          <a:xfrm>
+            <a:off x="311700" y="445025"/>
+            <a:ext cx="8520600" cy="572700"/>
+          </a:xfrm>
+          <a:prstGeom prst="rect">
+            <a:avLst/>
+          </a:prstGeom>
+        </p:spPr>
+        <p:txBody>
+          <a:bodyPr spcFirstLastPara="1" wrap="square" lIns="91425" tIns="91425" rIns="91425" bIns="91425" anchor="t" anchorCtr="0">
+            <a:noAutofit/>
+          </a:bodyPr>
+          <a:lstStyle/>
+          <a:p>
+            <a:pPr marL="0" lvl="0" indent="0" algn="l" rtl="0">
+              <a:spcBef>
+                <a:spcPts val="0"/>
+              </a:spcBef>
+              <a:spcAft>
+                <a:spcPts val="0"/>
+              </a:spcAft>
+              <a:buNone/>
+            </a:pPr>
+            <a:r>
+              <a:rPr lang="en" dirty="0"/>
+              <a:t>Due Next Tuesday: Data Loading Assignment</a:t>
+            </a:r>
+            <a:endParaRPr dirty="0"/>
+          </a:p>
+        </p:txBody>
+      </p:sp>
+      <p:sp>
+        <p:nvSpPr>
+          <p:cNvPr id="140" name="Google Shape;140;p23"/>
+          <p:cNvSpPr txBox="1">
+            <a:spLocks noGrp="1"/>
+          </p:cNvSpPr>
+          <p:nvPr>
+            <p:ph type="body" idx="1"/>
+          </p:nvPr>
+        </p:nvSpPr>
+        <p:spPr>
+          <a:xfrm>
+            <a:off x="311700" y="1288273"/>
+            <a:ext cx="8520600" cy="3416400"/>
+          </a:xfrm>
+          <a:prstGeom prst="rect">
+            <a:avLst/>
+          </a:prstGeom>
+        </p:spPr>
+        <p:txBody>
+          <a:bodyPr spcFirstLastPara="1" wrap="square" lIns="91425" tIns="91425" rIns="91425" bIns="91425" anchor="t" anchorCtr="0">
+            <a:noAutofit/>
+          </a:bodyPr>
+          <a:lstStyle/>
+          <a:p>
+            <a:pPr marL="457200" lvl="0" indent="-342900" algn="l" rtl="0">
+              <a:spcBef>
+                <a:spcPts val="0"/>
+              </a:spcBef>
+              <a:spcAft>
+                <a:spcPts val="0"/>
+              </a:spcAft>
+              <a:buClr>
+                <a:schemeClr val="dk1"/>
+              </a:buClr>
+              <a:buSzPts val="1800"/>
+              <a:buChar char="●"/>
+            </a:pPr>
+            <a:r>
+              <a:rPr lang="en" dirty="0">
+                <a:solidFill>
+                  <a:schemeClr val="dk1"/>
+                </a:solidFill>
+              </a:rPr>
+              <a:t>Help us understand where everyone is with technical prerequisites</a:t>
+            </a:r>
+          </a:p>
+          <a:p>
+            <a:pPr marL="114300" lvl="0" indent="0" algn="l" rtl="0">
+              <a:spcBef>
+                <a:spcPts val="0"/>
+              </a:spcBef>
+              <a:spcAft>
+                <a:spcPts val="0"/>
+              </a:spcAft>
+              <a:buClr>
+                <a:schemeClr val="dk1"/>
+              </a:buClr>
+              <a:buSzPts val="1800"/>
+              <a:buNone/>
+            </a:pPr>
+            <a:endParaRPr lang="en" dirty="0">
+              <a:solidFill>
+                <a:schemeClr val="dk1"/>
+              </a:solidFill>
+            </a:endParaRPr>
+          </a:p>
+          <a:p>
+            <a:pPr marL="457200" lvl="0" indent="-342900" algn="l" rtl="0">
+              <a:spcBef>
+                <a:spcPts val="0"/>
+              </a:spcBef>
+              <a:spcAft>
+                <a:spcPts val="0"/>
+              </a:spcAft>
+              <a:buClr>
+                <a:schemeClr val="dk1"/>
+              </a:buClr>
+              <a:buSzPts val="1800"/>
+              <a:buChar char="●"/>
+            </a:pPr>
+            <a:r>
+              <a:rPr lang="en" dirty="0">
+                <a:solidFill>
+                  <a:schemeClr val="dk1"/>
+                </a:solidFill>
+              </a:rPr>
+              <a:t>Help you understand the tools and skills you’ll need for this class</a:t>
+            </a:r>
+          </a:p>
+          <a:p>
+            <a:pPr marL="114300" lvl="0" indent="0" algn="l" rtl="0">
+              <a:spcBef>
+                <a:spcPts val="0"/>
+              </a:spcBef>
+              <a:spcAft>
+                <a:spcPts val="0"/>
+              </a:spcAft>
+              <a:buClr>
+                <a:schemeClr val="dk1"/>
+              </a:buClr>
+              <a:buSzPts val="1800"/>
+              <a:buNone/>
+            </a:pPr>
+            <a:endParaRPr dirty="0">
+              <a:solidFill>
+                <a:schemeClr val="dk1"/>
+              </a:solidFill>
+            </a:endParaRPr>
+          </a:p>
+          <a:p>
+            <a:pPr marL="457200" lvl="0" indent="-342900" algn="l" rtl="0">
+              <a:spcBef>
+                <a:spcPts val="0"/>
+              </a:spcBef>
+              <a:spcAft>
+                <a:spcPts val="0"/>
+              </a:spcAft>
+              <a:buClr>
+                <a:schemeClr val="dk1"/>
+              </a:buClr>
+              <a:buSzPts val="1800"/>
+              <a:buChar char="●"/>
+            </a:pPr>
+            <a:r>
+              <a:rPr lang="en-US" dirty="0">
+                <a:solidFill>
+                  <a:schemeClr val="dk1"/>
+                </a:solidFill>
+              </a:rPr>
+              <a:t>Assignment is a bit vague intentionally</a:t>
+            </a:r>
+          </a:p>
+          <a:p>
+            <a:pPr marL="457200" lvl="0" indent="-342900" algn="l" rtl="0">
+              <a:spcBef>
+                <a:spcPts val="0"/>
+              </a:spcBef>
+              <a:spcAft>
+                <a:spcPts val="0"/>
+              </a:spcAft>
+              <a:buClr>
+                <a:schemeClr val="dk1"/>
+              </a:buClr>
+              <a:buSzPts val="1800"/>
+              <a:buChar char="●"/>
+            </a:pPr>
+            <a:endParaRPr lang="en-US" dirty="0">
+              <a:solidFill>
+                <a:schemeClr val="dk1"/>
+              </a:solidFill>
+            </a:endParaRPr>
+          </a:p>
+          <a:p>
+            <a:pPr marL="457200" lvl="0" indent="-342900" algn="l" rtl="0">
+              <a:spcBef>
+                <a:spcPts val="0"/>
+              </a:spcBef>
+              <a:spcAft>
+                <a:spcPts val="0"/>
+              </a:spcAft>
+              <a:buClr>
+                <a:schemeClr val="dk1"/>
+              </a:buClr>
+              <a:buSzPts val="1800"/>
+              <a:buChar char="●"/>
+            </a:pPr>
+            <a:r>
+              <a:rPr lang="en-US" dirty="0">
+                <a:solidFill>
+                  <a:schemeClr val="dk1"/>
+                </a:solidFill>
+              </a:rPr>
+              <a:t>Note it’s a different database than we’ll use for the projects</a:t>
+            </a:r>
+          </a:p>
+          <a:p>
+            <a:pPr marL="114300" lvl="0" indent="0" algn="l" rtl="0">
+              <a:spcBef>
+                <a:spcPts val="0"/>
+              </a:spcBef>
+              <a:spcAft>
+                <a:spcPts val="0"/>
+              </a:spcAft>
+              <a:buClr>
+                <a:schemeClr val="dk1"/>
+              </a:buClr>
+              <a:buSzPts val="1800"/>
+              <a:buNone/>
+            </a:pPr>
+            <a:endParaRPr lang="en-US" dirty="0">
+              <a:solidFill>
+                <a:schemeClr val="dk1"/>
+              </a:solidFill>
+            </a:endParaRPr>
+          </a:p>
+          <a:p>
+            <a:pPr marL="457200" lvl="0" indent="-342900" algn="l" rtl="0">
+              <a:spcBef>
+                <a:spcPts val="0"/>
+              </a:spcBef>
+              <a:spcAft>
+                <a:spcPts val="0"/>
+              </a:spcAft>
+              <a:buClr>
+                <a:schemeClr val="dk1"/>
+              </a:buClr>
+              <a:buSzPts val="1800"/>
+              <a:buChar char="●"/>
+            </a:pPr>
+            <a:r>
+              <a:rPr lang="en-US" dirty="0">
+                <a:solidFill>
+                  <a:schemeClr val="dk1"/>
+                </a:solidFill>
+              </a:rPr>
+              <a:t>Grading won’t be too granular, focus on initial check</a:t>
+            </a:r>
+            <a:endParaRPr dirty="0">
+              <a:solidFill>
+                <a:schemeClr val="dk1"/>
+              </a:solidFill>
+            </a:endParaRPr>
+          </a:p>
+          <a:p>
+            <a:pPr marL="0" lvl="0" indent="0" algn="l" rtl="0">
+              <a:spcBef>
+                <a:spcPts val="0"/>
+              </a:spcBef>
+              <a:spcAft>
+                <a:spcPts val="1600"/>
+              </a:spcAft>
+              <a:buNone/>
+            </a:pPr>
+            <a:endParaRPr dirty="0"/>
+          </a:p>
+        </p:txBody>
+      </p:sp>
+    </p:spTree>
+    <p:extLst>
+      <p:ext uri="{BB962C8B-B14F-4D97-AF65-F5344CB8AC3E}">
+        <p14:creationId xmlns:p14="http://schemas.microsoft.com/office/powerpoint/2010/main" val="2915359869"/>
+      </p:ext>
+    </p:extLst>
+  </p:cSld>
+  <p:clrMapOvr>
+    <a:masterClrMapping/>
+  </p:clrMapOvr>
+</p:sld>
+</file>
+
+<file path=ppt/slides/slide12.xml><?xml version="1.0" encoding="utf-8"?>
+<p:sld xmlns:a="http://schemas.openxmlformats.org/drawingml/2006/main" xmlns:r="http://schemas.openxmlformats.org/officeDocument/2006/relationships" xmlns:p="http://schemas.openxmlformats.org/presentationml/2006/main">
+  <p:cSld>
+    <p:spTree>
+      <p:nvGrpSpPr>
         <p:cNvPr id="1" name="Shape 144"/>
         <p:cNvGrpSpPr/>
         <p:nvPr/>
@@ -12808,25 +13228,6 @@
                   <a:schemeClr val="dk1"/>
                 </a:solidFill>
               </a:rPr>
-              <a:t>Class will be on zoom</a:t>
-            </a:r>
-          </a:p>
-          <a:p>
-            <a:pPr lvl="1" indent="-330200">
-              <a:spcBef>
-                <a:spcPts val="700"/>
-              </a:spcBef>
-              <a:buClr>
-                <a:schemeClr val="dk1"/>
-              </a:buClr>
-              <a:buSzPts val="1600"/>
-            </a:pPr>
-            <a:r>
-              <a:rPr lang="en-US" sz="1600" dirty="0">
-                <a:solidFill>
-                  <a:schemeClr val="dk1"/>
-                </a:solidFill>
-              </a:rPr>
               <a:t>Latest content will be on </a:t>
             </a:r>
             <a:r>
@@ -12970,7 +13371,7 @@
                   <a:schemeClr val="dk1"/>
                 </a:solidFill>
               </a:rPr>
-              <a:t>TAs:</a:t>
+              <a:t>TAs</a:t>
             </a:r>
             <a:endParaRPr sz="1600" dirty="0">
               <a:solidFill>
@@ -13000,7 +13401,7 @@
 </p:sld>
 </file>
 
-<file path=ppt/slides/slide12.xml><?xml version="1.0" encoding="utf-8"?>
+<file path=ppt/slides/slide13.xml><?xml version="1.0" encoding="utf-8"?>
 <p:sld xmlns:a="http://schemas.openxmlformats.org/drawingml/2006/main" xmlns:r="http://schemas.openxmlformats.org/officeDocument/2006/relationships" xmlns:p="http://schemas.openxmlformats.org/presentationml/2006/main">
   <p:cSld>
     <p:spTree>
@@ -13225,7 +13626,7 @@
 </p:sld>
 </file>
 
-<file path=ppt/slides/slide13.xml><?xml version="1.0" encoding="utf-8"?>
+<file path=ppt/slides/slide14.xml><?xml version="1.0" encoding="utf-8"?>
 <p:sld xmlns:a="http://schemas.openxmlformats.org/drawingml/2006/main" xmlns:r="http://schemas.openxmlformats.org/officeDocument/2006/relationships" xmlns:p="http://schemas.openxmlformats.org/presentationml/2006/main">
   <p:cSld>
     <p:spTree>
@@ -13242,6 +13643,61 @@
           <a:chExt cx="0" cy="0"/>
         </a:xfrm>
       </p:grpSpPr>
+      <p:sp>
+        <p:nvSpPr>
+          <p:cNvPr id="4" name="Rectangle 3">
+            <a:extLst>
+              <a:ext uri="{FF2B5EF4-FFF2-40B4-BE49-F238E27FC236}">
+                <a16:creationId xmlns:a16="http://schemas.microsoft.com/office/drawing/2014/main" id="{8FC8C874-45C3-E346-83EB-04B29D9098DB}"/>
+              </a:ext>
+            </a:extLst>
+          </p:cNvPr>
+          <p:cNvSpPr/>
+          <p:nvPr/>
+        </p:nvSpPr>
+        <p:spPr>
+          <a:xfrm>
+            <a:off x="108642" y="1095475"/>
+            <a:ext cx="8917663" cy="915532"/>
+          </a:xfrm>
+          <a:prstGeom prst="rect">
+            <a:avLst/>
+          </a:prstGeom>
+          <a:solidFill>
+            <a:schemeClr val="accent5">
+              <a:lumMod val="20000"/>
+              <a:lumOff val="80000"/>
+            </a:schemeClr>
+          </a:solidFill>
+          <a:ln>
+            <a:noFill/>
+          </a:ln>
+        </p:spPr>
+        <p:style>
+          <a:lnRef idx="2">
+            <a:schemeClr val="accent1">
+              <a:shade val="50000"/>
+            </a:schemeClr>
+          </a:lnRef>
+          <a:fillRef idx="1">
+            <a:schemeClr val="accent1"/>
+          </a:fillRef>
+          <a:effectRef idx="0">
+            <a:schemeClr val="accent1"/>
+          </a:effectRef>
+          <a:fontRef idx="minor">
+            <a:schemeClr val="lt1"/>
+          </a:fontRef>
+        </p:style>
+        <p:txBody>
+          <a:bodyPr rtlCol="0" anchor="ctr"/>
+          <a:lstStyle/>
+          <a:p>
+            <a:pPr algn="ctr"/>
+            <a:endParaRPr lang="en-US" dirty="0"/>
+          </a:p>
+        </p:txBody>
+      </p:sp>
       <p:sp>
         <p:nvSpPr>
           <p:cNvPr id="164" name="Google Shape;164;p27"/>
@@ -13284,186 +13740,513 @@
           </a:p>
         </p:txBody>
       </p:sp>
-      <p:sp>
-        <p:nvSpPr>
-          <p:cNvPr id="165" name="Google Shape;165;p27"/>
-          <p:cNvSpPr txBox="1">
-            <a:spLocks noGrp="1"/>
-          </p:cNvSpPr>
-          <p:nvPr>
-            <p:ph type="body" idx="1"/>
-          </p:nvPr>
-        </p:nvSpPr>
-        <p:spPr>
+      <p:pic>
+        <p:nvPicPr>
+          <p:cNvPr id="1026" name="Picture 2">
+            <a:extLst>
+              <a:ext uri="{FF2B5EF4-FFF2-40B4-BE49-F238E27FC236}">
+                <a16:creationId xmlns:a16="http://schemas.microsoft.com/office/drawing/2014/main" id="{098D2882-9DD9-6641-9FC0-DBE7D6B5114D}"/>
+              </a:ext>
+            </a:extLst>
+          </p:cNvPr>
+          <p:cNvPicPr>
+            <a:picLocks noChangeAspect="1" noChangeArrowheads="1"/>
+          </p:cNvPicPr>
+          <p:nvPr/>
+        </p:nvPicPr>
+        <p:blipFill>
+          <a:blip r:embed="rId3">
+            <a:extLst>
+              <a:ext uri="{28A0092B-C50C-407E-A947-70E740481C1C}">
+                <a14:useLocalDpi xmlns:a14="http://schemas.microsoft.com/office/drawing/2010/main" val="0"/>
+              </a:ext>
+            </a:extLst>
+          </a:blip>
+          <a:srcRect/>
+          <a:stretch>
+            <a:fillRect/>
+          </a:stretch>
+        </p:blipFill>
+        <p:spPr bwMode="auto">
           <a:xfrm>
-            <a:off x="311700" y="1152475"/>
-            <a:ext cx="8520600" cy="3416400"/>
+            <a:off x="413862" y="1131691"/>
+            <a:ext cx="853624" cy="845017"/>
           </a:xfrm>
           <a:prstGeom prst="rect">
             <a:avLst/>
           </a:prstGeom>
+          <a:noFill/>
+          <a:extLst>
+            <a:ext uri="{909E8E84-426E-40DD-AFC4-6F175D3DCCD1}">
+              <a14:hiddenFill xmlns:a14="http://schemas.microsoft.com/office/drawing/2010/main">
+                <a:solidFill>
+                  <a:srgbClr val="FFFFFF"/>
+                </a:solidFill>
+              </a14:hiddenFill>
+            </a:ext>
+          </a:extLst>
+        </p:spPr>
+      </p:pic>
+      <p:sp>
+        <p:nvSpPr>
+          <p:cNvPr id="8" name="TextBox 7">
+            <a:extLst>
+              <a:ext uri="{FF2B5EF4-FFF2-40B4-BE49-F238E27FC236}">
+                <a16:creationId xmlns:a16="http://schemas.microsoft.com/office/drawing/2014/main" id="{4970649D-1957-1C4C-B86B-F0D0232CD214}"/>
+              </a:ext>
+            </a:extLst>
+          </p:cNvPr>
+          <p:cNvSpPr txBox="1"/>
+          <p:nvPr/>
+        </p:nvSpPr>
+        <p:spPr>
+          <a:xfrm>
+            <a:off x="1554600" y="1199298"/>
+            <a:ext cx="6925901" cy="707886"/>
+          </a:xfrm>
+          <a:prstGeom prst="rect">
+            <a:avLst/>
+          </a:prstGeom>
+          <a:noFill/>
         </p:spPr>
         <p:txBody>
-          <a:bodyPr spcFirstLastPara="1" wrap="square" lIns="91425" tIns="91425" rIns="91425" bIns="91425" anchor="t" anchorCtr="0">
-            <a:noAutofit/>
+          <a:bodyPr wrap="square" rtlCol="0">
+            <a:spAutoFit/>
           </a:bodyPr>
           <a:lstStyle/>
           <a:p>
-            <a:pPr marL="457200" lvl="0" indent="-330200" algn="l" rtl="0">
-              <a:lnSpc>
-                <a:spcPct val="146250"/>
-              </a:lnSpc>
-              <a:spcBef>
-                <a:spcPts val="0"/>
-              </a:spcBef>
-              <a:spcAft>
-                <a:spcPts val="0"/>
-              </a:spcAft>
-              <a:buClr>
-                <a:srgbClr val="444444"/>
-              </a:buClr>
-              <a:buSzPts val="1600"/>
-              <a:buChar char="●"/>
-            </a:pPr>
             <a:r>
-              <a:rPr lang="en" dirty="0">
+              <a:rPr lang="en-US" sz="2000" b="1" dirty="0">
                 <a:solidFill>
-                  <a:srgbClr val="444444"/>
+                  <a:srgbClr val="002060"/>
                 </a:solidFill>
-                <a:highlight>
-                  <a:srgbClr val="FFFFFF"/>
-                </a:highlight>
+              </a:rPr>
+              <a:t>Reducing hazardous waste violations by prioritizing environmental inspections</a:t>
+            </a:r>
+          </a:p>
+        </p:txBody>
+      </p:sp>
+      <p:sp>
+        <p:nvSpPr>
+          <p:cNvPr id="15" name="Rectangle 14">
+            <a:extLst>
+              <a:ext uri="{FF2B5EF4-FFF2-40B4-BE49-F238E27FC236}">
+                <a16:creationId xmlns:a16="http://schemas.microsoft.com/office/drawing/2014/main" id="{014A4805-A65F-D241-A1AE-797CF9F73996}"/>
+              </a:ext>
+            </a:extLst>
+          </p:cNvPr>
+          <p:cNvSpPr/>
+          <p:nvPr/>
+        </p:nvSpPr>
+        <p:spPr>
+          <a:xfrm>
+            <a:off x="113168" y="2114830"/>
+            <a:ext cx="8917663" cy="915532"/>
+          </a:xfrm>
+          <a:prstGeom prst="rect">
+            <a:avLst/>
+          </a:prstGeom>
+          <a:solidFill>
+            <a:schemeClr val="accent5">
+              <a:lumMod val="20000"/>
+              <a:lumOff val="80000"/>
+            </a:schemeClr>
+          </a:solidFill>
+          <a:ln>
+            <a:noFill/>
+          </a:ln>
+        </p:spPr>
+        <p:style>
+          <a:lnRef idx="2">
+            <a:schemeClr val="accent1">
+              <a:shade val="50000"/>
+            </a:schemeClr>
+          </a:lnRef>
+          <a:fillRef idx="1">
+            <a:schemeClr val="accent1"/>
+          </a:fillRef>
+          <a:effectRef idx="0">
+            <a:schemeClr val="accent1"/>
+          </a:effectRef>
+          <a:fontRef idx="minor">
+            <a:schemeClr val="lt1"/>
+          </a:fontRef>
+        </p:style>
+        <p:txBody>
+          <a:bodyPr rtlCol="0" anchor="ctr"/>
+          <a:lstStyle/>
+          <a:p>
+            <a:pPr algn="ctr"/>
+            <a:endParaRPr lang="en-US" dirty="0"/>
+          </a:p>
+        </p:txBody>
+      </p:sp>
+      <p:sp>
+        <p:nvSpPr>
+          <p:cNvPr id="17" name="TextBox 16">
+            <a:extLst>
+              <a:ext uri="{FF2B5EF4-FFF2-40B4-BE49-F238E27FC236}">
+                <a16:creationId xmlns:a16="http://schemas.microsoft.com/office/drawing/2014/main" id="{77B00EDA-4982-4E4B-AE53-5B69328A4D8E}"/>
+              </a:ext>
+            </a:extLst>
+          </p:cNvPr>
+          <p:cNvSpPr txBox="1"/>
+          <p:nvPr/>
+        </p:nvSpPr>
+        <p:spPr>
+          <a:xfrm>
+            <a:off x="1559126" y="2218653"/>
+            <a:ext cx="6925901" cy="707886"/>
+          </a:xfrm>
+          <a:prstGeom prst="rect">
+            <a:avLst/>
+          </a:prstGeom>
+          <a:noFill/>
+        </p:spPr>
+        <p:txBody>
+          <a:bodyPr wrap="square" rtlCol="0">
+            <a:spAutoFit/>
+          </a:bodyPr>
+          <a:lstStyle/>
+          <a:p>
+            <a:r>
+              <a:rPr lang="en-US" sz="2000" b="1" dirty="0">
+                <a:solidFill>
+                  <a:srgbClr val="002060"/>
+                </a:solidFill>
               </a:rPr>
               <a:t>Identifying students who are at risk of not graduating high school on time and need extra support</a:t>
             </a:r>
           </a:p>
+        </p:txBody>
+      </p:sp>
+      <p:sp>
+        <p:nvSpPr>
+          <p:cNvPr id="18" name="Rectangle 17">
+            <a:extLst>
+              <a:ext uri="{FF2B5EF4-FFF2-40B4-BE49-F238E27FC236}">
+                <a16:creationId xmlns:a16="http://schemas.microsoft.com/office/drawing/2014/main" id="{3CC6CD55-8571-CD49-8365-8B6E813E3FA3}"/>
+              </a:ext>
+            </a:extLst>
+          </p:cNvPr>
+          <p:cNvSpPr/>
+          <p:nvPr/>
+        </p:nvSpPr>
+        <p:spPr>
+          <a:xfrm>
+            <a:off x="108642" y="3135868"/>
+            <a:ext cx="8917663" cy="915532"/>
+          </a:xfrm>
+          <a:prstGeom prst="rect">
+            <a:avLst/>
+          </a:prstGeom>
+          <a:solidFill>
+            <a:schemeClr val="accent5">
+              <a:lumMod val="20000"/>
+              <a:lumOff val="80000"/>
+            </a:schemeClr>
+          </a:solidFill>
+          <a:ln>
+            <a:noFill/>
+          </a:ln>
+        </p:spPr>
+        <p:style>
+          <a:lnRef idx="2">
+            <a:schemeClr val="accent1">
+              <a:shade val="50000"/>
+            </a:schemeClr>
+          </a:lnRef>
+          <a:fillRef idx="1">
+            <a:schemeClr val="accent1"/>
+          </a:fillRef>
+          <a:effectRef idx="0">
+            <a:schemeClr val="accent1"/>
+          </a:effectRef>
+          <a:fontRef idx="minor">
+            <a:schemeClr val="lt1"/>
+          </a:fontRef>
+        </p:style>
+        <p:txBody>
+          <a:bodyPr rtlCol="0" anchor="ctr"/>
+          <a:lstStyle/>
           <a:p>
-            <a:pPr marL="457200" lvl="0" indent="-330200" algn="l" rtl="0">
-              <a:lnSpc>
-                <a:spcPct val="146250"/>
-              </a:lnSpc>
-              <a:spcBef>
-                <a:spcPts val="0"/>
-              </a:spcBef>
-              <a:spcAft>
-                <a:spcPts val="0"/>
-              </a:spcAft>
-              <a:buClr>
-                <a:srgbClr val="444444"/>
-              </a:buClr>
-              <a:buSzPts val="1600"/>
-              <a:buChar char="●"/>
-            </a:pPr>
+            <a:pPr algn="ctr"/>
+            <a:endParaRPr lang="en-US" dirty="0"/>
+          </a:p>
+        </p:txBody>
+      </p:sp>
+      <p:sp>
+        <p:nvSpPr>
+          <p:cNvPr id="20" name="TextBox 19">
+            <a:extLst>
+              <a:ext uri="{FF2B5EF4-FFF2-40B4-BE49-F238E27FC236}">
+                <a16:creationId xmlns:a16="http://schemas.microsoft.com/office/drawing/2014/main" id="{778A643E-9ACD-3641-845B-FA631578DCA3}"/>
+              </a:ext>
+            </a:extLst>
+          </p:cNvPr>
+          <p:cNvSpPr txBox="1"/>
+          <p:nvPr/>
+        </p:nvSpPr>
+        <p:spPr>
+          <a:xfrm>
+            <a:off x="1554600" y="3239691"/>
+            <a:ext cx="6925901" cy="707886"/>
+          </a:xfrm>
+          <a:prstGeom prst="rect">
+            <a:avLst/>
+          </a:prstGeom>
+          <a:noFill/>
+        </p:spPr>
+        <p:txBody>
+          <a:bodyPr wrap="square" rtlCol="0">
+            <a:spAutoFit/>
+          </a:bodyPr>
+          <a:lstStyle/>
+          <a:p>
             <a:r>
-              <a:rPr lang="en" dirty="0">
+              <a:rPr lang="en-US" sz="2000" b="1" dirty="0">
                 <a:solidFill>
-                  <a:srgbClr val="444444"/>
+                  <a:srgbClr val="002060"/>
                 </a:solidFill>
-                <a:highlight>
-                  <a:srgbClr val="FFFFFF"/>
-                </a:highlight>
-              </a:rPr>
-              <a:t>Reducing hazardous waste violations by prioritizing environmental inspections</a:t>
-            </a:r>
-            <a:endParaRPr dirty="0">
-              <a:solidFill>
-                <a:srgbClr val="444444"/>
-              </a:solidFill>
-              <a:highlight>
-                <a:srgbClr val="FFFFFF"/>
-              </a:highlight>
-            </a:endParaRPr>
-          </a:p>
-          <a:p>
-            <a:pPr marL="457200" lvl="0" indent="-330200" algn="l" rtl="0">
-              <a:lnSpc>
-                <a:spcPct val="146250"/>
-              </a:lnSpc>
-              <a:spcBef>
-                <a:spcPts val="0"/>
-              </a:spcBef>
-              <a:spcAft>
-                <a:spcPts val="0"/>
-              </a:spcAft>
-              <a:buClr>
-                <a:srgbClr val="444444"/>
-              </a:buClr>
-              <a:buSzPts val="1600"/>
-              <a:buChar char="●"/>
-            </a:pPr>
-            <a:r>
-              <a:rPr lang="en" dirty="0">
-                <a:solidFill>
-                  <a:srgbClr val="444444"/>
-                </a:solidFill>
-                <a:highlight>
-                  <a:srgbClr val="FFFFFF"/>
-                </a:highlight>
               </a:rPr>
               <a:t>Identifying state bills that are likely to pass to support advocacy efforts</a:t>
             </a:r>
           </a:p>
+        </p:txBody>
+      </p:sp>
+      <p:sp>
+        <p:nvSpPr>
+          <p:cNvPr id="21" name="Rectangle 20">
+            <a:extLst>
+              <a:ext uri="{FF2B5EF4-FFF2-40B4-BE49-F238E27FC236}">
+                <a16:creationId xmlns:a16="http://schemas.microsoft.com/office/drawing/2014/main" id="{2CF67727-9CDC-BC46-994B-E542B30F371A}"/>
+              </a:ext>
+            </a:extLst>
+          </p:cNvPr>
+          <p:cNvSpPr/>
+          <p:nvPr/>
+        </p:nvSpPr>
+        <p:spPr>
+          <a:xfrm>
+            <a:off x="108642" y="4189208"/>
+            <a:ext cx="8917663" cy="915532"/>
+          </a:xfrm>
+          <a:prstGeom prst="rect">
+            <a:avLst/>
+          </a:prstGeom>
+          <a:solidFill>
+            <a:schemeClr val="accent5">
+              <a:lumMod val="20000"/>
+              <a:lumOff val="80000"/>
+            </a:schemeClr>
+          </a:solidFill>
+          <a:ln>
+            <a:noFill/>
+          </a:ln>
+        </p:spPr>
+        <p:style>
+          <a:lnRef idx="2">
+            <a:schemeClr val="accent1">
+              <a:shade val="50000"/>
+            </a:schemeClr>
+          </a:lnRef>
+          <a:fillRef idx="1">
+            <a:schemeClr val="accent1"/>
+          </a:fillRef>
+          <a:effectRef idx="0">
+            <a:schemeClr val="accent1"/>
+          </a:effectRef>
+          <a:fontRef idx="minor">
+            <a:schemeClr val="lt1"/>
+          </a:fontRef>
+        </p:style>
+        <p:txBody>
+          <a:bodyPr rtlCol="0" anchor="ctr"/>
+          <a:lstStyle/>
           <a:p>
-            <a:pPr marL="457200" lvl="0" indent="-330200" algn="l" rtl="0">
-              <a:lnSpc>
-                <a:spcPct val="146250"/>
-              </a:lnSpc>
-              <a:spcBef>
-                <a:spcPts val="0"/>
-              </a:spcBef>
-              <a:spcAft>
-                <a:spcPts val="0"/>
-              </a:spcAft>
-              <a:buClr>
-                <a:srgbClr val="444444"/>
-              </a:buClr>
-              <a:buSzPts val="1600"/>
-              <a:buChar char="●"/>
-            </a:pPr>
-            <a:r>
-              <a:rPr lang="en" dirty="0">
-                <a:solidFill>
-                  <a:srgbClr val="444444"/>
-                </a:solidFill>
-                <a:highlight>
-                  <a:srgbClr val="FFFFFF"/>
-                </a:highlight>
-              </a:rPr>
-              <a:t>Identifying voters who are unlikely to vote to support voter turnout efforts and </a:t>
-            </a:r>
-            <a:r>
-              <a:rPr lang="en" dirty="0" err="1">
-                <a:solidFill>
-                  <a:srgbClr val="444444"/>
-                </a:solidFill>
-                <a:highlight>
-                  <a:srgbClr val="FFFFFF"/>
-                </a:highlight>
-              </a:rPr>
-              <a:t>inrease</a:t>
-            </a:r>
-            <a:r>
-              <a:rPr lang="en" dirty="0">
-                <a:solidFill>
-                  <a:srgbClr val="444444"/>
-                </a:solidFill>
-                <a:highlight>
-                  <a:srgbClr val="FFFFFF"/>
-                </a:highlight>
-              </a:rPr>
-              <a:t> civic participation</a:t>
-            </a:r>
-            <a:endParaRPr dirty="0">
-              <a:solidFill>
-                <a:srgbClr val="222222"/>
-              </a:solidFill>
-              <a:highlight>
-                <a:srgbClr val="FFFFFF"/>
-              </a:highlight>
-            </a:endParaRPr>
+            <a:pPr algn="ctr"/>
+            <a:endParaRPr lang="en-US" dirty="0"/>
           </a:p>
         </p:txBody>
       </p:sp>
+      <p:sp>
+        <p:nvSpPr>
+          <p:cNvPr id="23" name="TextBox 22">
+            <a:extLst>
+              <a:ext uri="{FF2B5EF4-FFF2-40B4-BE49-F238E27FC236}">
+                <a16:creationId xmlns:a16="http://schemas.microsoft.com/office/drawing/2014/main" id="{CD45D103-14FE-5F4C-BA64-95E7FD3E1F59}"/>
+              </a:ext>
+            </a:extLst>
+          </p:cNvPr>
+          <p:cNvSpPr txBox="1"/>
+          <p:nvPr/>
+        </p:nvSpPr>
+        <p:spPr>
+          <a:xfrm>
+            <a:off x="1554600" y="4293031"/>
+            <a:ext cx="6925901" cy="707886"/>
+          </a:xfrm>
+          <a:prstGeom prst="rect">
+            <a:avLst/>
+          </a:prstGeom>
+          <a:noFill/>
+        </p:spPr>
+        <p:txBody>
+          <a:bodyPr wrap="square" rtlCol="0">
+            <a:spAutoFit/>
+          </a:bodyPr>
+          <a:lstStyle/>
+          <a:p>
+            <a:r>
+              <a:rPr lang="en-US" sz="2000" b="1" dirty="0">
+                <a:solidFill>
+                  <a:srgbClr val="002060"/>
+                </a:solidFill>
+              </a:rPr>
+              <a:t>Increasing civic participation by identifying voters unlikely to vote to support voter turnout efforts</a:t>
+            </a:r>
+          </a:p>
+        </p:txBody>
+      </p:sp>
+      <p:pic>
+        <p:nvPicPr>
+          <p:cNvPr id="1034" name="Picture 10" descr="I Voted Today Stickers">
+            <a:extLst>
+              <a:ext uri="{FF2B5EF4-FFF2-40B4-BE49-F238E27FC236}">
+                <a16:creationId xmlns:a16="http://schemas.microsoft.com/office/drawing/2014/main" id="{4C2BBFBB-5C4D-F245-B6DA-D5B8C0E4CDEA}"/>
+              </a:ext>
+            </a:extLst>
+          </p:cNvPr>
+          <p:cNvPicPr>
+            <a:picLocks noChangeAspect="1" noChangeArrowheads="1"/>
+          </p:cNvPicPr>
+          <p:nvPr/>
+        </p:nvPicPr>
+        <p:blipFill>
+          <a:blip r:embed="rId4">
+            <a:extLst>
+              <a:ext uri="{28A0092B-C50C-407E-A947-70E740481C1C}">
+                <a14:useLocalDpi xmlns:a14="http://schemas.microsoft.com/office/drawing/2010/main" val="0"/>
+              </a:ext>
+            </a:extLst>
+          </a:blip>
+          <a:srcRect/>
+          <a:stretch>
+            <a:fillRect/>
+          </a:stretch>
+        </p:blipFill>
+        <p:spPr bwMode="auto">
+          <a:xfrm>
+            <a:off x="420050" y="4241251"/>
+            <a:ext cx="841248" cy="811445"/>
+          </a:xfrm>
+          <a:prstGeom prst="rect">
+            <a:avLst/>
+          </a:prstGeom>
+          <a:noFill/>
+          <a:extLst>
+            <a:ext uri="{909E8E84-426E-40DD-AFC4-6F175D3DCCD1}">
+              <a14:hiddenFill xmlns:a14="http://schemas.microsoft.com/office/drawing/2010/main">
+                <a:solidFill>
+                  <a:srgbClr val="FFFFFF"/>
+                </a:solidFill>
+              </a14:hiddenFill>
+            </a:ext>
+          </a:extLst>
+        </p:spPr>
+      </p:pic>
+      <p:pic>
+        <p:nvPicPr>
+          <p:cNvPr id="1036" name="Picture 12" descr="Schoolhouse Rock Bill | Meme Generator">
+            <a:extLst>
+              <a:ext uri="{FF2B5EF4-FFF2-40B4-BE49-F238E27FC236}">
+                <a16:creationId xmlns:a16="http://schemas.microsoft.com/office/drawing/2014/main" id="{AC6FF74B-41B3-E64F-B57E-C223BD251238}"/>
+              </a:ext>
+            </a:extLst>
+          </p:cNvPr>
+          <p:cNvPicPr>
+            <a:picLocks noChangeAspect="1" noChangeArrowheads="1"/>
+          </p:cNvPicPr>
+          <p:nvPr/>
+        </p:nvPicPr>
+        <p:blipFill rotWithShape="1">
+          <a:blip r:embed="rId5">
+            <a:extLst>
+              <a:ext uri="{28A0092B-C50C-407E-A947-70E740481C1C}">
+                <a14:useLocalDpi xmlns:a14="http://schemas.microsoft.com/office/drawing/2010/main" val="0"/>
+              </a:ext>
+            </a:extLst>
+          </a:blip>
+          <a:srcRect t="6409" b="7183"/>
+          <a:stretch/>
+        </p:blipFill>
+        <p:spPr bwMode="auto">
+          <a:xfrm>
+            <a:off x="413862" y="3173010"/>
+            <a:ext cx="798991" cy="841248"/>
+          </a:xfrm>
+          <a:prstGeom prst="rect">
+            <a:avLst/>
+          </a:prstGeom>
+          <a:noFill/>
+          <a:extLst>
+            <a:ext uri="{909E8E84-426E-40DD-AFC4-6F175D3DCCD1}">
+              <a14:hiddenFill xmlns:a14="http://schemas.microsoft.com/office/drawing/2010/main">
+                <a:solidFill>
+                  <a:srgbClr val="FFFFFF"/>
+                </a:solidFill>
+              </a14:hiddenFill>
+            </a:ext>
+          </a:extLst>
+        </p:spPr>
+      </p:pic>
+      <p:pic>
+        <p:nvPicPr>
+          <p:cNvPr id="1042" name="Picture 18" descr="Graduation Cap Books And Diploma Png Clipart - Graduation Cap With Books,  Transparent Png , Transparent Png Image - PNGitem">
+            <a:extLst>
+              <a:ext uri="{FF2B5EF4-FFF2-40B4-BE49-F238E27FC236}">
+                <a16:creationId xmlns:a16="http://schemas.microsoft.com/office/drawing/2014/main" id="{959A5558-51CE-F544-8502-9C987224B781}"/>
+              </a:ext>
+            </a:extLst>
+          </p:cNvPr>
+          <p:cNvPicPr>
+            <a:picLocks noChangeAspect="1" noChangeArrowheads="1"/>
+          </p:cNvPicPr>
+          <p:nvPr/>
+        </p:nvPicPr>
+        <p:blipFill>
+          <a:blip r:embed="rId6">
+            <a:extLst>
+              <a:ext uri="{28A0092B-C50C-407E-A947-70E740481C1C}">
+                <a14:useLocalDpi xmlns:a14="http://schemas.microsoft.com/office/drawing/2010/main" val="0"/>
+              </a:ext>
+            </a:extLst>
+          </a:blip>
+          <a:srcRect/>
+          <a:stretch>
+            <a:fillRect/>
+          </a:stretch>
+        </p:blipFill>
+        <p:spPr bwMode="auto">
+          <a:xfrm>
+            <a:off x="194632" y="2156812"/>
+            <a:ext cx="1292083" cy="841248"/>
+          </a:xfrm>
+          <a:prstGeom prst="rect">
+            <a:avLst/>
+          </a:prstGeom>
+          <a:noFill/>
+          <a:extLst>
+            <a:ext uri="{909E8E84-426E-40DD-AFC4-6F175D3DCCD1}">
+              <a14:hiddenFill xmlns:a14="http://schemas.microsoft.com/office/drawing/2010/main">
+                <a:solidFill>
+                  <a:srgbClr val="FFFFFF"/>
+                </a:solidFill>
+              </a14:hiddenFill>
+            </a:ext>
+          </a:extLst>
+        </p:spPr>
+      </p:pic>
     </p:spTree>
   </p:cSld>
   <p:clrMapOvr>
@@ -13472,7 +14255,7 @@
 </p:sld>
 </file>
 
-<file path=ppt/slides/slide14.xml><?xml version="1.0" encoding="utf-8"?>
+<file path=ppt/slides/slide15.xml><?xml version="1.0" encoding="utf-8"?>
 <p:sld xmlns:a="http://schemas.openxmlformats.org/drawingml/2006/main" xmlns:r="http://schemas.openxmlformats.org/officeDocument/2006/relationships" xmlns:p="http://schemas.openxmlformats.org/presentationml/2006/main">
   <p:cSld>
     <p:spTree>
@@ -13532,10 +14315,18 @@
               <a:buNone/>
             </a:pPr>
             <a:r>
-              <a:rPr lang="en" sz="2000" b="1"/>
-              <a:t>The data you’re working with is confidential and needs to be kept secure</a:t>
+              <a:rPr lang="en" sz="2000" b="1" dirty="0"/>
+              <a:t>The data you’re working with is </a:t>
             </a:r>
-            <a:endParaRPr sz="2000" b="1"/>
+            <a:r>
+              <a:rPr lang="en" sz="2000" b="1" u="sng" dirty="0"/>
+              <a:t>confidential</a:t>
+            </a:r>
+            <a:r>
+              <a:rPr lang="en" sz="2000" b="1" dirty="0"/>
+              <a:t> and needs to be kept secure</a:t>
+            </a:r>
+            <a:endParaRPr sz="2000" b="1" dirty="0"/>
           </a:p>
           <a:p>
             <a:pPr marL="0" lvl="0" indent="0" algn="l" rtl="0">
@@ -13547,7 +14338,7 @@
               </a:spcAft>
               <a:buNone/>
             </a:pPr>
-            <a:endParaRPr sz="2000"/>
+            <a:endParaRPr sz="2000" dirty="0"/>
           </a:p>
         </p:txBody>
       </p:sp>
@@ -13613,7 +14404,7 @@
               </a:spcAft>
               <a:buNone/>
             </a:pPr>
-            <a:endParaRPr b="1" dirty="0">
+            <a:endParaRPr lang="en-US" sz="800" b="1" dirty="0">
               <a:solidFill>
                 <a:srgbClr val="000000"/>
               </a:solidFill>
@@ -13665,7 +14456,7 @@
               </a:spcAft>
               <a:buNone/>
             </a:pPr>
-            <a:endParaRPr b="1" dirty="0">
+            <a:endParaRPr sz="800" b="1" dirty="0">
               <a:solidFill>
                 <a:srgbClr val="000000"/>
               </a:solidFill>
@@ -13693,6 +14484,18 @@
               </a:rPr>
               <a:t>Tell us immediately if you suspect that any data you had access to may be compromised</a:t>
             </a:r>
+            <a:br>
+              <a:rPr lang="en" b="1" dirty="0">
+                <a:solidFill>
+                  <a:srgbClr val="000000"/>
+                </a:solidFill>
+              </a:rPr>
+            </a:br>
+            <a:endParaRPr lang="en" sz="800" b="1" dirty="0">
+              <a:solidFill>
+                <a:srgbClr val="000000"/>
+              </a:solidFill>
+            </a:endParaRPr>
           </a:p>
           <a:p>
             <a:pPr marL="457200" lvl="0" indent="-342900" algn="l" rtl="0">
@@ -13744,7 +14547,7 @@
 </p:sld>
 </file>
 
-<file path=ppt/slides/slide15.xml><?xml version="1.0" encoding="utf-8"?>
+<file path=ppt/slides/slide16.xml><?xml version="1.0" encoding="utf-8"?>
 <p:sld xmlns:a="http://schemas.openxmlformats.org/drawingml/2006/main" xmlns:r="http://schemas.openxmlformats.org/officeDocument/2006/relationships" xmlns:p="http://schemas.openxmlformats.org/presentationml/2006/main">
   <p:cSld>
     <p:spTree>
@@ -14144,7 +14947,7 @@
 </p:sld>
 </file>
 
-<file path=ppt/slides/slide16.xml><?xml version="1.0" encoding="utf-8"?>
+<file path=ppt/slides/slide17.xml><?xml version="1.0" encoding="utf-8"?>
 <p:sld xmlns:a="http://schemas.openxmlformats.org/drawingml/2006/main" xmlns:r="http://schemas.openxmlformats.org/officeDocument/2006/relationships" xmlns:p="http://schemas.openxmlformats.org/presentationml/2006/main">
   <p:cSld>
     <p:spTree>
@@ -14242,7 +15045,23 @@
               <a:rPr lang="en" dirty="0"/>
               <a:t>Tech setup (tomorrow)</a:t>
             </a:r>
-            <a:endParaRPr dirty="0"/>
+          </a:p>
+          <a:p>
+            <a:pPr lvl="1">
+              <a:spcBef>
+                <a:spcPts val="0"/>
+              </a:spcBef>
+            </a:pPr>
+            <a:r>
+              <a:rPr lang="en" sz="1600" dirty="0"/>
+              <a:t>Remember to bring your laptop!</a:t>
+            </a:r>
+          </a:p>
+          <a:p>
+            <a:pPr marL="139700" indent="0">
+              <a:buNone/>
+            </a:pPr>
+            <a:endParaRPr lang="en" sz="2000" dirty="0"/>
           </a:p>
           <a:p>
             <a:pPr marL="457200" lvl="0" indent="-342900" algn="l" rtl="0">
@@ -14257,7 +15076,15 @@
             </a:pPr>
             <a:r>
               <a:rPr lang="en" dirty="0"/>
-              <a:t>Readings</a:t>
+              <a:t>Readings (for Thursday): Available on Class </a:t>
+            </a:r>
+            <a:r>
+              <a:rPr lang="en" dirty="0" err="1"/>
+              <a:t>Github</a:t>
+            </a:r>
+            <a:r>
+              <a:rPr lang="en" dirty="0"/>
+              <a:t> Repo</a:t>
             </a:r>
             <a:endParaRPr dirty="0"/>
           </a:p>
@@ -14273,10 +15100,10 @@
               <a:buChar char="○"/>
             </a:pPr>
             <a:r>
-              <a:rPr lang="en" dirty="0"/>
+              <a:rPr lang="en" sz="1600" dirty="0"/>
               <a:t>Project Scoping guide</a:t>
             </a:r>
-            <a:endParaRPr dirty="0"/>
+            <a:endParaRPr sz="1600" dirty="0"/>
           </a:p>
           <a:p>
             <a:pPr marL="914400" lvl="1" indent="-317500" algn="l" rtl="0">
@@ -14290,10 +15117,52 @@
               <a:buChar char="○"/>
             </a:pPr>
             <a:r>
-              <a:rPr lang="en" dirty="0"/>
+              <a:rPr lang="en" sz="1600" dirty="0"/>
               <a:t>Example case study</a:t>
             </a:r>
-            <a:endParaRPr dirty="0"/>
+          </a:p>
+          <a:p>
+            <a:pPr marL="139700" indent="0">
+              <a:buSzPts val="1400"/>
+              <a:buNone/>
+            </a:pPr>
+            <a:endParaRPr lang="en" sz="2000" dirty="0"/>
+          </a:p>
+          <a:p>
+            <a:pPr lvl="0"/>
+            <a:r>
+              <a:rPr lang="en-US" dirty="0"/>
+              <a:t>Assignments: See Canvas</a:t>
+            </a:r>
+          </a:p>
+          <a:p>
+            <a:pPr lvl="1">
+              <a:spcBef>
+                <a:spcPts val="0"/>
+              </a:spcBef>
+            </a:pPr>
+            <a:r>
+              <a:rPr lang="en-US" sz="1600" dirty="0"/>
+              <a:t>Due Wednesday: Project Preferences</a:t>
+            </a:r>
+          </a:p>
+          <a:p>
+            <a:pPr lvl="1">
+              <a:spcBef>
+                <a:spcPts val="0"/>
+              </a:spcBef>
+            </a:pPr>
+            <a:r>
+              <a:rPr lang="en-US" sz="1600" dirty="0"/>
+              <a:t>Due Next Tuesday: Data Loading Exercise</a:t>
+            </a:r>
+          </a:p>
+          <a:p>
+            <a:pPr marL="139700" indent="0">
+              <a:buSzPts val="1400"/>
+              <a:buNone/>
+            </a:pPr>
+            <a:endParaRPr lang="en" sz="2000" dirty="0"/>
           </a:p>
         </p:txBody>
       </p:sp>
